--- a/Agrobot.pptx
+++ b/Agrobot.pptx
@@ -1,65 +1,44 @@
 
 <file path=ppt/presentation.xml><?xml version="1.0" encoding="utf-8"?>
-<p:presentation xmlns:a="http://schemas.openxmlformats.org/drawingml/2006/main" xmlns:r="http://schemas.openxmlformats.org/officeDocument/2006/relationships" xmlns:p="http://schemas.openxmlformats.org/presentationml/2006/main" saveSubsetFonts="1" embedTrueTypeFonts="true">
+<p:presentation xmlns:a="http://schemas.openxmlformats.org/drawingml/2006/main" xmlns:r="http://schemas.openxmlformats.org/officeDocument/2006/relationships" xmlns:p="http://schemas.openxmlformats.org/presentationml/2006/main" embedTrueTypeFonts="1" saveSubsetFonts="1">
   <p:sldMasterIdLst>
     <p:sldMasterId id="2147483648" r:id="rId1"/>
   </p:sldMasterIdLst>
   <p:notesMasterIdLst>
-    <p:notesMasterId r:id="rId18"/>
+    <p:notesMasterId r:id="rId8"/>
   </p:notesMasterIdLst>
   <p:sldIdLst>
-    <p:sldId id="256" r:id="rId17"/>
-    <p:sldId id="257" r:id="rId21"/>
-    <p:sldId id="258" r:id="rId22"/>
-    <p:sldId id="259" r:id="rId24"/>
-    <p:sldId id="260" r:id="rId25"/>
-    <p:sldId id="261" r:id="rId26"/>
+    <p:sldId id="256" r:id="rId2"/>
+    <p:sldId id="257" r:id="rId3"/>
+    <p:sldId id="258" r:id="rId4"/>
+    <p:sldId id="259" r:id="rId5"/>
+    <p:sldId id="260" r:id="rId6"/>
+    <p:sldId id="261" r:id="rId7"/>
   </p:sldIdLst>
   <p:sldSz cx="18288000" cy="10287000"/>
   <p:notesSz cx="6858000" cy="9144000"/>
   <p:embeddedFontLst>
     <p:embeddedFont>
-      <p:font typeface="Open Sans" charset="1" panose="020B0606030504020204"/>
-      <p:regular r:id="rId6"/>
+      <p:font typeface="Calibri" panose="020F0502020204030204" pitchFamily="34" charset="0"/>
+      <p:regular r:id="rId9"/>
+      <p:bold r:id="rId10"/>
+      <p:italic r:id="rId11"/>
+      <p:boldItalic r:id="rId12"/>
     </p:embeddedFont>
     <p:embeddedFont>
-      <p:font typeface="Open Sans Bold" charset="1" panose="020B0806030504020204"/>
-      <p:regular r:id="rId7"/>
-    </p:embeddedFont>
-    <p:embeddedFont>
-      <p:font typeface="Open Sans Italics" charset="1" panose="020B0606030504020204"/>
-      <p:regular r:id="rId8"/>
-    </p:embeddedFont>
-    <p:embeddedFont>
-      <p:font typeface="Open Sans Bold Italics" charset="1" panose="020B0806030504020204"/>
-      <p:regular r:id="rId9"/>
-    </p:embeddedFont>
-    <p:embeddedFont>
-      <p:font typeface="Open Sans Extra Bold" charset="1" panose="020B0906030804020204"/>
-      <p:regular r:id="rId10"/>
-    </p:embeddedFont>
-    <p:embeddedFont>
-      <p:font typeface="Open Sans Extra Bold Italics" charset="1" panose="020B0906030804020204"/>
-      <p:regular r:id="rId11"/>
-    </p:embeddedFont>
-    <p:embeddedFont>
-      <p:font typeface="Arimo" charset="1" panose="020B0604020202020204"/>
-      <p:regular r:id="rId12"/>
-    </p:embeddedFont>
-    <p:embeddedFont>
-      <p:font typeface="Arimo Bold" charset="1" panose="020B0704020202020204"/>
+      <p:font typeface="Lemon Tuesday" panose="020B0604020202020204" charset="0"/>
       <p:regular r:id="rId13"/>
     </p:embeddedFont>
     <p:embeddedFont>
-      <p:font typeface="Arimo Italics" charset="1" panose="020B0604020202090204"/>
+      <p:font typeface="Open Sans" panose="020B0604020202020204" charset="0"/>
       <p:regular r:id="rId14"/>
     </p:embeddedFont>
     <p:embeddedFont>
-      <p:font typeface="Arimo Bold Italics" charset="1" panose="020B0704020202090204"/>
+      <p:font typeface="Open Sans Bold" panose="020B0604020202020204" charset="0"/>
       <p:regular r:id="rId15"/>
     </p:embeddedFont>
     <p:embeddedFont>
-      <p:font typeface="Lemon Tuesday" charset="1" panose="02000506040000020004"/>
+      <p:font typeface="Open Sans Extra Bold" panose="020B0604020202020204" charset="0"/>
       <p:regular r:id="rId16"/>
     </p:embeddedFont>
   </p:embeddedFontLst>
@@ -158,6 +137,22 @@
       </a:defRPr>
     </a:lvl9pPr>
   </p:defaultTextStyle>
+  <p:extLst>
+    <p:ext uri="{EFAFB233-063F-42B5-8137-9DF3F51BA10A}">
+      <p15:sldGuideLst xmlns:p15="http://schemas.microsoft.com/office/powerpoint/2012/main">
+        <p15:guide id="1" orient="horz" pos="2160">
+          <p15:clr>
+            <a:srgbClr val="A4A3A4"/>
+          </p15:clr>
+        </p15:guide>
+        <p15:guide id="2" pos="2880">
+          <p15:clr>
+            <a:srgbClr val="A4A3A4"/>
+          </p15:clr>
+        </p15:guide>
+      </p15:sldGuideLst>
+    </p:ext>
+  </p:extLst>
 </p:presentation>
 </file>
 
@@ -243,7 +238,7 @@
           <a:p>
             <a:fld id="{B7268E1E-0E44-426D-905E-8AD9B19D2182}" type="datetimeFigureOut">
               <a:rPr lang="cs-CZ" smtClean="0"/>
-              <a:t>1.7.2013</a:t>
+              <a:t>04.10.2020</a:t>
             </a:fld>
             <a:endParaRPr lang="cs-CZ"/>
           </a:p>
@@ -307,35 +302,35 @@
           <a:p>
             <a:pPr lvl="0"/>
             <a:r>
-              <a:rPr lang="en-US" smtClean="0"/>
+              <a:rPr lang="en-US"/>
               <a:t>Click to edit Master text styles</a:t>
             </a:r>
           </a:p>
           <a:p>
             <a:pPr lvl="1"/>
             <a:r>
-              <a:rPr lang="en-US" smtClean="0"/>
+              <a:rPr lang="en-US"/>
               <a:t>Second level</a:t>
             </a:r>
           </a:p>
           <a:p>
             <a:pPr lvl="2"/>
             <a:r>
-              <a:rPr lang="en-US" smtClean="0"/>
+              <a:rPr lang="en-US"/>
               <a:t>Third level</a:t>
             </a:r>
           </a:p>
           <a:p>
             <a:pPr lvl="3"/>
             <a:r>
-              <a:rPr lang="en-US" smtClean="0"/>
+              <a:rPr lang="en-US"/>
               <a:t>Fourth level</a:t>
             </a:r>
           </a:p>
           <a:p>
             <a:pPr lvl="4"/>
             <a:r>
-              <a:rPr lang="en-US" smtClean="0"/>
+              <a:rPr lang="en-US"/>
               <a:t>Fifth level</a:t>
             </a:r>
             <a:endParaRPr lang="cs-CZ"/>
@@ -512,9 +507,9 @@
 </file>
 
 <file path=ppt/notesSlides/notesSlide1.xml><?xml version="1.0" encoding="utf-8"?>
-<p:notes xmlns:p="http://schemas.openxmlformats.org/presentationml/2006/main">
+<p:notes xmlns:a="http://schemas.openxmlformats.org/drawingml/2006/main" xmlns:r="http://schemas.openxmlformats.org/officeDocument/2006/relationships" xmlns:p="http://schemas.openxmlformats.org/presentationml/2006/main">
   <p:cSld>
-    <p:spTree xmlns:a="http://schemas.openxmlformats.org/drawingml/2006/main" xmlns:r="http://schemas.openxmlformats.org/officeDocument/2006/relationships">
+    <p:spTree>
       <p:nvGrpSpPr>
         <p:cNvPr id="1" name=""/>
         <p:cNvGrpSpPr/>
@@ -588,7 +583,7 @@
           <a:p>
             <a:fld id="{B7268E1E-0E44-426D-905E-8AD9B19D2182}" type="datetimeFigureOut">
               <a:rPr lang="cs-CZ" smtClean="0"/>
-              <a:t>1.7.2013</a:t>
+              <a:t>04.10.2020</a:t>
             </a:fld>
             <a:endParaRPr lang="cs-CZ"/>
           </a:p>
@@ -651,11 +646,7 @@
           <a:lstStyle/>
           <a:p>
             <a:pPr lvl="0"/>
-            <a:r>
-              <a:rPr lang="en-US"/>
-              <a:t/>
-            </a:r>
-            <a:endParaRPr lang="en-US" smtClean="0"/>
+            <a:endParaRPr lang="en-US"/>
           </a:p>
         </p:txBody>
       </p:sp>
@@ -719,7 +710,7 @@
           <a:p>
             <a:fld id="{871B2431-D351-4C6E-A3CF-9DFAC0E3E050}" type="slidenum">
               <a:rPr lang="cs-CZ" smtClean="0"/>
-              <a:t>‹#›</a:t>
+              <a:t>1</a:t>
             </a:fld>
             <a:endParaRPr lang="cs-CZ"/>
           </a:p>
@@ -727,13 +718,16 @@
       </p:sp>
     </p:spTree>
   </p:cSld>
+  <p:clrMapOvr>
+    <a:masterClrMapping/>
+  </p:clrMapOvr>
 </p:notes>
 </file>
 
 <file path=ppt/notesSlides/notesSlide2.xml><?xml version="1.0" encoding="utf-8"?>
-<p:notes xmlns:p="http://schemas.openxmlformats.org/presentationml/2006/main">
+<p:notes xmlns:a="http://schemas.openxmlformats.org/drawingml/2006/main" xmlns:r="http://schemas.openxmlformats.org/officeDocument/2006/relationships" xmlns:p="http://schemas.openxmlformats.org/presentationml/2006/main">
   <p:cSld>
-    <p:spTree xmlns:a="http://schemas.openxmlformats.org/drawingml/2006/main" xmlns:r="http://schemas.openxmlformats.org/officeDocument/2006/relationships">
+    <p:spTree>
       <p:nvGrpSpPr>
         <p:cNvPr id="1" name=""/>
         <p:cNvGrpSpPr/>
@@ -807,7 +801,7 @@
           <a:p>
             <a:fld id="{B7268E1E-0E44-426D-905E-8AD9B19D2182}" type="datetimeFigureOut">
               <a:rPr lang="cs-CZ" smtClean="0"/>
-              <a:t>1.7.2013</a:t>
+              <a:t>04.10.2020</a:t>
             </a:fld>
             <a:endParaRPr lang="cs-CZ"/>
           </a:p>
@@ -870,11 +864,7 @@
           <a:lstStyle/>
           <a:p>
             <a:pPr lvl="0"/>
-            <a:r>
-              <a:rPr lang="en-US"/>
-              <a:t/>
-            </a:r>
-            <a:endParaRPr lang="en-US" smtClean="0"/>
+            <a:endParaRPr lang="en-US"/>
           </a:p>
         </p:txBody>
       </p:sp>
@@ -938,7 +928,7 @@
           <a:p>
             <a:fld id="{871B2431-D351-4C6E-A3CF-9DFAC0E3E050}" type="slidenum">
               <a:rPr lang="cs-CZ" smtClean="0"/>
-              <a:t>‹#›</a:t>
+              <a:t>3</a:t>
             </a:fld>
             <a:endParaRPr lang="cs-CZ"/>
           </a:p>
@@ -946,6 +936,9 @@
       </p:sp>
     </p:spTree>
   </p:cSld>
+  <p:clrMapOvr>
+    <a:masterClrMapping/>
+  </p:clrMapOvr>
 </p:notes>
 </file>
 
@@ -987,10 +980,9 @@
           <a:lstStyle/>
           <a:p>
             <a:r>
-              <a:rPr lang="en-US" smtClean="0"/>
+              <a:rPr lang="en-US"/>
               <a:t>Click to edit Master title style</a:t>
             </a:r>
-            <a:endParaRPr lang="en-US"/>
           </a:p>
         </p:txBody>
       </p:sp>
@@ -1106,10 +1098,9 @@
           </a:lstStyle>
           <a:p>
             <a:r>
-              <a:rPr lang="en-US" smtClean="0"/>
+              <a:rPr lang="en-US"/>
               <a:t>Click to edit Master subtitle style</a:t>
             </a:r>
-            <a:endParaRPr lang="en-US"/>
           </a:p>
         </p:txBody>
       </p:sp>
@@ -1131,7 +1122,7 @@
             <a:fld id="{1D8BD707-D9CF-40AE-B4C6-C98DA3205C09}" type="datetimeFigureOut">
               <a:rPr lang="en-US" smtClean="0"/>
               <a:pPr/>
-              <a:t>8/1/2011</a:t>
+              <a:t>10/4/2020</a:t>
             </a:fld>
             <a:endParaRPr lang="en-US"/>
           </a:p>
@@ -1221,10 +1212,9 @@
           <a:lstStyle/>
           <a:p>
             <a:r>
-              <a:rPr lang="en-US" smtClean="0"/>
+              <a:rPr lang="en-US"/>
               <a:t>Click to edit Master title style</a:t>
             </a:r>
-            <a:endParaRPr lang="en-US"/>
           </a:p>
         </p:txBody>
       </p:sp>
@@ -1245,38 +1235,37 @@
           <a:p>
             <a:pPr lvl="0"/>
             <a:r>
-              <a:rPr lang="en-US" smtClean="0"/>
+              <a:rPr lang="en-US"/>
               <a:t>Click to edit Master text styles</a:t>
             </a:r>
           </a:p>
           <a:p>
             <a:pPr lvl="1"/>
             <a:r>
-              <a:rPr lang="en-US" smtClean="0"/>
+              <a:rPr lang="en-US"/>
               <a:t>Second level</a:t>
             </a:r>
           </a:p>
           <a:p>
             <a:pPr lvl="2"/>
             <a:r>
-              <a:rPr lang="en-US" smtClean="0"/>
+              <a:rPr lang="en-US"/>
               <a:t>Third level</a:t>
             </a:r>
           </a:p>
           <a:p>
             <a:pPr lvl="3"/>
             <a:r>
-              <a:rPr lang="en-US" smtClean="0"/>
+              <a:rPr lang="en-US"/>
               <a:t>Fourth level</a:t>
             </a:r>
           </a:p>
           <a:p>
             <a:pPr lvl="4"/>
             <a:r>
-              <a:rPr lang="en-US" smtClean="0"/>
+              <a:rPr lang="en-US"/>
               <a:t>Fifth level</a:t>
             </a:r>
-            <a:endParaRPr lang="en-US"/>
           </a:p>
         </p:txBody>
       </p:sp>
@@ -1298,7 +1287,7 @@
             <a:fld id="{1D8BD707-D9CF-40AE-B4C6-C98DA3205C09}" type="datetimeFigureOut">
               <a:rPr lang="en-US" smtClean="0"/>
               <a:pPr/>
-              <a:t>8/1/2011</a:t>
+              <a:t>10/4/2020</a:t>
             </a:fld>
             <a:endParaRPr lang="en-US"/>
           </a:p>
@@ -1393,10 +1382,9 @@
           <a:lstStyle/>
           <a:p>
             <a:r>
-              <a:rPr lang="en-US" smtClean="0"/>
+              <a:rPr lang="en-US"/>
               <a:t>Click to edit Master title style</a:t>
             </a:r>
-            <a:endParaRPr lang="en-US"/>
           </a:p>
         </p:txBody>
       </p:sp>
@@ -1422,38 +1410,37 @@
           <a:p>
             <a:pPr lvl="0"/>
             <a:r>
-              <a:rPr lang="en-US" smtClean="0"/>
+              <a:rPr lang="en-US"/>
               <a:t>Click to edit Master text styles</a:t>
             </a:r>
           </a:p>
           <a:p>
             <a:pPr lvl="1"/>
             <a:r>
-              <a:rPr lang="en-US" smtClean="0"/>
+              <a:rPr lang="en-US"/>
               <a:t>Second level</a:t>
             </a:r>
           </a:p>
           <a:p>
             <a:pPr lvl="2"/>
             <a:r>
-              <a:rPr lang="en-US" smtClean="0"/>
+              <a:rPr lang="en-US"/>
               <a:t>Third level</a:t>
             </a:r>
           </a:p>
           <a:p>
             <a:pPr lvl="3"/>
             <a:r>
-              <a:rPr lang="en-US" smtClean="0"/>
+              <a:rPr lang="en-US"/>
               <a:t>Fourth level</a:t>
             </a:r>
           </a:p>
           <a:p>
             <a:pPr lvl="4"/>
             <a:r>
-              <a:rPr lang="en-US" smtClean="0"/>
+              <a:rPr lang="en-US"/>
               <a:t>Fifth level</a:t>
             </a:r>
-            <a:endParaRPr lang="en-US"/>
           </a:p>
         </p:txBody>
       </p:sp>
@@ -1475,7 +1462,7 @@
             <a:fld id="{1D8BD707-D9CF-40AE-B4C6-C98DA3205C09}" type="datetimeFigureOut">
               <a:rPr lang="en-US" smtClean="0"/>
               <a:pPr/>
-              <a:t>8/1/2011</a:t>
+              <a:t>10/4/2020</a:t>
             </a:fld>
             <a:endParaRPr lang="en-US"/>
           </a:p>
@@ -1565,10 +1552,9 @@
           <a:lstStyle/>
           <a:p>
             <a:r>
-              <a:rPr lang="en-US" smtClean="0"/>
+              <a:rPr lang="en-US"/>
               <a:t>Click to edit Master title style</a:t>
             </a:r>
-            <a:endParaRPr lang="en-US"/>
           </a:p>
         </p:txBody>
       </p:sp>
@@ -1589,38 +1575,37 @@
           <a:p>
             <a:pPr lvl="0"/>
             <a:r>
-              <a:rPr lang="en-US" smtClean="0"/>
+              <a:rPr lang="en-US"/>
               <a:t>Click to edit Master text styles</a:t>
             </a:r>
           </a:p>
           <a:p>
             <a:pPr lvl="1"/>
             <a:r>
-              <a:rPr lang="en-US" smtClean="0"/>
+              <a:rPr lang="en-US"/>
               <a:t>Second level</a:t>
             </a:r>
           </a:p>
           <a:p>
             <a:pPr lvl="2"/>
             <a:r>
-              <a:rPr lang="en-US" smtClean="0"/>
+              <a:rPr lang="en-US"/>
               <a:t>Third level</a:t>
             </a:r>
           </a:p>
           <a:p>
             <a:pPr lvl="3"/>
             <a:r>
-              <a:rPr lang="en-US" smtClean="0"/>
+              <a:rPr lang="en-US"/>
               <a:t>Fourth level</a:t>
             </a:r>
           </a:p>
           <a:p>
             <a:pPr lvl="4"/>
             <a:r>
-              <a:rPr lang="en-US" smtClean="0"/>
+              <a:rPr lang="en-US"/>
               <a:t>Fifth level</a:t>
             </a:r>
-            <a:endParaRPr lang="en-US"/>
           </a:p>
         </p:txBody>
       </p:sp>
@@ -1642,7 +1627,7 @@
             <a:fld id="{1D8BD707-D9CF-40AE-B4C6-C98DA3205C09}" type="datetimeFigureOut">
               <a:rPr lang="en-US" smtClean="0"/>
               <a:pPr/>
-              <a:t>8/1/2011</a:t>
+              <a:t>10/4/2020</a:t>
             </a:fld>
             <a:endParaRPr lang="en-US"/>
           </a:p>
@@ -1741,10 +1726,9 @@
           </a:lstStyle>
           <a:p>
             <a:r>
-              <a:rPr lang="en-US" smtClean="0"/>
+              <a:rPr lang="en-US"/>
               <a:t>Click to edit Master title style</a:t>
             </a:r>
-            <a:endParaRPr lang="en-US"/>
           </a:p>
         </p:txBody>
       </p:sp>
@@ -1861,7 +1845,7 @@
           <a:p>
             <a:pPr lvl="0"/>
             <a:r>
-              <a:rPr lang="en-US" smtClean="0"/>
+              <a:rPr lang="en-US"/>
               <a:t>Click to edit Master text styles</a:t>
             </a:r>
           </a:p>
@@ -1885,7 +1869,7 @@
             <a:fld id="{1D8BD707-D9CF-40AE-B4C6-C98DA3205C09}" type="datetimeFigureOut">
               <a:rPr lang="en-US" smtClean="0"/>
               <a:pPr/>
-              <a:t>8/1/2011</a:t>
+              <a:t>10/4/2020</a:t>
             </a:fld>
             <a:endParaRPr lang="en-US"/>
           </a:p>
@@ -1975,10 +1959,9 @@
           <a:lstStyle/>
           <a:p>
             <a:r>
-              <a:rPr lang="en-US" smtClean="0"/>
+              <a:rPr lang="en-US"/>
               <a:t>Click to edit Master title style</a:t>
             </a:r>
-            <a:endParaRPr lang="en-US"/>
           </a:p>
         </p:txBody>
       </p:sp>
@@ -2032,38 +2015,37 @@
           <a:p>
             <a:pPr lvl="0"/>
             <a:r>
-              <a:rPr lang="en-US" smtClean="0"/>
+              <a:rPr lang="en-US"/>
               <a:t>Click to edit Master text styles</a:t>
             </a:r>
           </a:p>
           <a:p>
             <a:pPr lvl="1"/>
             <a:r>
-              <a:rPr lang="en-US" smtClean="0"/>
+              <a:rPr lang="en-US"/>
               <a:t>Second level</a:t>
             </a:r>
           </a:p>
           <a:p>
             <a:pPr lvl="2"/>
             <a:r>
-              <a:rPr lang="en-US" smtClean="0"/>
+              <a:rPr lang="en-US"/>
               <a:t>Third level</a:t>
             </a:r>
           </a:p>
           <a:p>
             <a:pPr lvl="3"/>
             <a:r>
-              <a:rPr lang="en-US" smtClean="0"/>
+              <a:rPr lang="en-US"/>
               <a:t>Fourth level</a:t>
             </a:r>
           </a:p>
           <a:p>
             <a:pPr lvl="4"/>
             <a:r>
-              <a:rPr lang="en-US" smtClean="0"/>
+              <a:rPr lang="en-US"/>
               <a:t>Fifth level</a:t>
             </a:r>
-            <a:endParaRPr lang="en-US"/>
           </a:p>
         </p:txBody>
       </p:sp>
@@ -2117,38 +2099,37 @@
           <a:p>
             <a:pPr lvl="0"/>
             <a:r>
-              <a:rPr lang="en-US" smtClean="0"/>
+              <a:rPr lang="en-US"/>
               <a:t>Click to edit Master text styles</a:t>
             </a:r>
           </a:p>
           <a:p>
             <a:pPr lvl="1"/>
             <a:r>
-              <a:rPr lang="en-US" smtClean="0"/>
+              <a:rPr lang="en-US"/>
               <a:t>Second level</a:t>
             </a:r>
           </a:p>
           <a:p>
             <a:pPr lvl="2"/>
             <a:r>
-              <a:rPr lang="en-US" smtClean="0"/>
+              <a:rPr lang="en-US"/>
               <a:t>Third level</a:t>
             </a:r>
           </a:p>
           <a:p>
             <a:pPr lvl="3"/>
             <a:r>
-              <a:rPr lang="en-US" smtClean="0"/>
+              <a:rPr lang="en-US"/>
               <a:t>Fourth level</a:t>
             </a:r>
           </a:p>
           <a:p>
             <a:pPr lvl="4"/>
             <a:r>
-              <a:rPr lang="en-US" smtClean="0"/>
+              <a:rPr lang="en-US"/>
               <a:t>Fifth level</a:t>
             </a:r>
-            <a:endParaRPr lang="en-US"/>
           </a:p>
         </p:txBody>
       </p:sp>
@@ -2170,7 +2151,7 @@
             <a:fld id="{1D8BD707-D9CF-40AE-B4C6-C98DA3205C09}" type="datetimeFigureOut">
               <a:rPr lang="en-US" smtClean="0"/>
               <a:pPr/>
-              <a:t>8/1/2011</a:t>
+              <a:t>10/4/2020</a:t>
             </a:fld>
             <a:endParaRPr lang="en-US"/>
           </a:p>
@@ -2264,10 +2245,9 @@
           </a:lstStyle>
           <a:p>
             <a:r>
-              <a:rPr lang="en-US" smtClean="0"/>
+              <a:rPr lang="en-US"/>
               <a:t>Click to edit Master title style</a:t>
             </a:r>
-            <a:endParaRPr lang="en-US"/>
           </a:p>
         </p:txBody>
       </p:sp>
@@ -2330,7 +2310,7 @@
           <a:p>
             <a:pPr lvl="0"/>
             <a:r>
-              <a:rPr lang="en-US" smtClean="0"/>
+              <a:rPr lang="en-US"/>
               <a:t>Click to edit Master text styles</a:t>
             </a:r>
           </a:p>
@@ -2386,38 +2366,37 @@
           <a:p>
             <a:pPr lvl="0"/>
             <a:r>
-              <a:rPr lang="en-US" smtClean="0"/>
+              <a:rPr lang="en-US"/>
               <a:t>Click to edit Master text styles</a:t>
             </a:r>
           </a:p>
           <a:p>
             <a:pPr lvl="1"/>
             <a:r>
-              <a:rPr lang="en-US" smtClean="0"/>
+              <a:rPr lang="en-US"/>
               <a:t>Second level</a:t>
             </a:r>
           </a:p>
           <a:p>
             <a:pPr lvl="2"/>
             <a:r>
-              <a:rPr lang="en-US" smtClean="0"/>
+              <a:rPr lang="en-US"/>
               <a:t>Third level</a:t>
             </a:r>
           </a:p>
           <a:p>
             <a:pPr lvl="3"/>
             <a:r>
-              <a:rPr lang="en-US" smtClean="0"/>
+              <a:rPr lang="en-US"/>
               <a:t>Fourth level</a:t>
             </a:r>
           </a:p>
           <a:p>
             <a:pPr lvl="4"/>
             <a:r>
-              <a:rPr lang="en-US" smtClean="0"/>
+              <a:rPr lang="en-US"/>
               <a:t>Fifth level</a:t>
             </a:r>
-            <a:endParaRPr lang="en-US"/>
           </a:p>
         </p:txBody>
       </p:sp>
@@ -2480,7 +2459,7 @@
           <a:p>
             <a:pPr lvl="0"/>
             <a:r>
-              <a:rPr lang="en-US" smtClean="0"/>
+              <a:rPr lang="en-US"/>
               <a:t>Click to edit Master text styles</a:t>
             </a:r>
           </a:p>
@@ -2536,38 +2515,37 @@
           <a:p>
             <a:pPr lvl="0"/>
             <a:r>
-              <a:rPr lang="en-US" smtClean="0"/>
+              <a:rPr lang="en-US"/>
               <a:t>Click to edit Master text styles</a:t>
             </a:r>
           </a:p>
           <a:p>
             <a:pPr lvl="1"/>
             <a:r>
-              <a:rPr lang="en-US" smtClean="0"/>
+              <a:rPr lang="en-US"/>
               <a:t>Second level</a:t>
             </a:r>
           </a:p>
           <a:p>
             <a:pPr lvl="2"/>
             <a:r>
-              <a:rPr lang="en-US" smtClean="0"/>
+              <a:rPr lang="en-US"/>
               <a:t>Third level</a:t>
             </a:r>
           </a:p>
           <a:p>
             <a:pPr lvl="3"/>
             <a:r>
-              <a:rPr lang="en-US" smtClean="0"/>
+              <a:rPr lang="en-US"/>
               <a:t>Fourth level</a:t>
             </a:r>
           </a:p>
           <a:p>
             <a:pPr lvl="4"/>
             <a:r>
-              <a:rPr lang="en-US" smtClean="0"/>
+              <a:rPr lang="en-US"/>
               <a:t>Fifth level</a:t>
             </a:r>
-            <a:endParaRPr lang="en-US"/>
           </a:p>
         </p:txBody>
       </p:sp>
@@ -2589,7 +2567,7 @@
             <a:fld id="{1D8BD707-D9CF-40AE-B4C6-C98DA3205C09}" type="datetimeFigureOut">
               <a:rPr lang="en-US" smtClean="0"/>
               <a:pPr/>
-              <a:t>8/1/2011</a:t>
+              <a:t>10/4/2020</a:t>
             </a:fld>
             <a:endParaRPr lang="en-US"/>
           </a:p>
@@ -2679,10 +2657,9 @@
           <a:lstStyle/>
           <a:p>
             <a:r>
-              <a:rPr lang="en-US" smtClean="0"/>
+              <a:rPr lang="en-US"/>
               <a:t>Click to edit Master title style</a:t>
             </a:r>
-            <a:endParaRPr lang="en-US"/>
           </a:p>
         </p:txBody>
       </p:sp>
@@ -2704,7 +2681,7 @@
             <a:fld id="{1D8BD707-D9CF-40AE-B4C6-C98DA3205C09}" type="datetimeFigureOut">
               <a:rPr lang="en-US" smtClean="0"/>
               <a:pPr/>
-              <a:t>8/1/2011</a:t>
+              <a:t>10/4/2020</a:t>
             </a:fld>
             <a:endParaRPr lang="en-US"/>
           </a:p>
@@ -2796,7 +2773,7 @@
             <a:fld id="{1D8BD707-D9CF-40AE-B4C6-C98DA3205C09}" type="datetimeFigureOut">
               <a:rPr lang="en-US" smtClean="0"/>
               <a:pPr/>
-              <a:t>8/1/2011</a:t>
+              <a:t>10/4/2020</a:t>
             </a:fld>
             <a:endParaRPr lang="en-US"/>
           </a:p>
@@ -2895,10 +2872,9 @@
           </a:lstStyle>
           <a:p>
             <a:r>
-              <a:rPr lang="en-US" smtClean="0"/>
+              <a:rPr lang="en-US"/>
               <a:t>Click to edit Master title style</a:t>
             </a:r>
-            <a:endParaRPr lang="en-US"/>
           </a:p>
         </p:txBody>
       </p:sp>
@@ -2952,38 +2928,37 @@
           <a:p>
             <a:pPr lvl="0"/>
             <a:r>
-              <a:rPr lang="en-US" smtClean="0"/>
+              <a:rPr lang="en-US"/>
               <a:t>Click to edit Master text styles</a:t>
             </a:r>
           </a:p>
           <a:p>
             <a:pPr lvl="1"/>
             <a:r>
-              <a:rPr lang="en-US" smtClean="0"/>
+              <a:rPr lang="en-US"/>
               <a:t>Second level</a:t>
             </a:r>
           </a:p>
           <a:p>
             <a:pPr lvl="2"/>
             <a:r>
-              <a:rPr lang="en-US" smtClean="0"/>
+              <a:rPr lang="en-US"/>
               <a:t>Third level</a:t>
             </a:r>
           </a:p>
           <a:p>
             <a:pPr lvl="3"/>
             <a:r>
-              <a:rPr lang="en-US" smtClean="0"/>
+              <a:rPr lang="en-US"/>
               <a:t>Fourth level</a:t>
             </a:r>
           </a:p>
           <a:p>
             <a:pPr lvl="4"/>
             <a:r>
-              <a:rPr lang="en-US" smtClean="0"/>
+              <a:rPr lang="en-US"/>
               <a:t>Fifth level</a:t>
             </a:r>
-            <a:endParaRPr lang="en-US"/>
           </a:p>
         </p:txBody>
       </p:sp>
@@ -3046,7 +3021,7 @@
           <a:p>
             <a:pPr lvl="0"/>
             <a:r>
-              <a:rPr lang="en-US" smtClean="0"/>
+              <a:rPr lang="en-US"/>
               <a:t>Click to edit Master text styles</a:t>
             </a:r>
           </a:p>
@@ -3070,7 +3045,7 @@
             <a:fld id="{1D8BD707-D9CF-40AE-B4C6-C98DA3205C09}" type="datetimeFigureOut">
               <a:rPr lang="en-US" smtClean="0"/>
               <a:pPr/>
-              <a:t>8/1/2011</a:t>
+              <a:t>10/4/2020</a:t>
             </a:fld>
             <a:endParaRPr lang="en-US"/>
           </a:p>
@@ -3169,10 +3144,9 @@
           </a:lstStyle>
           <a:p>
             <a:r>
-              <a:rPr lang="en-US" smtClean="0"/>
+              <a:rPr lang="en-US"/>
               <a:t>Click to edit Master title style</a:t>
             </a:r>
-            <a:endParaRPr lang="en-US"/>
           </a:p>
         </p:txBody>
       </p:sp>
@@ -3296,7 +3270,7 @@
           <a:p>
             <a:pPr lvl="0"/>
             <a:r>
-              <a:rPr lang="en-US" smtClean="0"/>
+              <a:rPr lang="en-US"/>
               <a:t>Click to edit Master text styles</a:t>
             </a:r>
           </a:p>
@@ -3320,7 +3294,7 @@
             <a:fld id="{1D8BD707-D9CF-40AE-B4C6-C98DA3205C09}" type="datetimeFigureOut">
               <a:rPr lang="en-US" smtClean="0"/>
               <a:pPr/>
-              <a:t>8/1/2011</a:t>
+              <a:t>10/4/2020</a:t>
             </a:fld>
             <a:endParaRPr lang="en-US"/>
           </a:p>
@@ -3425,10 +3399,9 @@
           <a:lstStyle/>
           <a:p>
             <a:r>
-              <a:rPr lang="en-US" smtClean="0"/>
+              <a:rPr lang="en-US"/>
               <a:t>Click to edit Master title style</a:t>
             </a:r>
-            <a:endParaRPr lang="en-US"/>
           </a:p>
         </p:txBody>
       </p:sp>
@@ -3459,38 +3432,37 @@
           <a:p>
             <a:pPr lvl="0"/>
             <a:r>
-              <a:rPr lang="en-US" smtClean="0"/>
+              <a:rPr lang="en-US"/>
               <a:t>Click to edit Master text styles</a:t>
             </a:r>
           </a:p>
           <a:p>
             <a:pPr lvl="1"/>
             <a:r>
-              <a:rPr lang="en-US" smtClean="0"/>
+              <a:rPr lang="en-US"/>
               <a:t>Second level</a:t>
             </a:r>
           </a:p>
           <a:p>
             <a:pPr lvl="2"/>
             <a:r>
-              <a:rPr lang="en-US" smtClean="0"/>
+              <a:rPr lang="en-US"/>
               <a:t>Third level</a:t>
             </a:r>
           </a:p>
           <a:p>
             <a:pPr lvl="3"/>
             <a:r>
-              <a:rPr lang="en-US" smtClean="0"/>
+              <a:rPr lang="en-US"/>
               <a:t>Fourth level</a:t>
             </a:r>
           </a:p>
           <a:p>
             <a:pPr lvl="4"/>
             <a:r>
-              <a:rPr lang="en-US" smtClean="0"/>
+              <a:rPr lang="en-US"/>
               <a:t>Fifth level</a:t>
             </a:r>
-            <a:endParaRPr lang="en-US"/>
           </a:p>
         </p:txBody>
       </p:sp>
@@ -3530,7 +3502,7 @@
             <a:fld id="{1D8BD707-D9CF-40AE-B4C6-C98DA3205C09}" type="datetimeFigureOut">
               <a:rPr lang="en-US" smtClean="0"/>
               <a:pPr/>
-              <a:t>8/1/2011</a:t>
+              <a:t>10/4/2020</a:t>
             </a:fld>
             <a:endParaRPr lang="en-US"/>
           </a:p>
@@ -3885,7 +3857,7 @@
 </file>
 
 <file path=ppt/slides/slide1.xml><?xml version="1.0" encoding="utf-8"?>
-<p:sld xmlns:p="http://schemas.openxmlformats.org/presentationml/2006/main" xmlns:a="http://schemas.openxmlformats.org/drawingml/2006/main">
+<p:sld xmlns:a="http://schemas.openxmlformats.org/drawingml/2006/main" xmlns:r="http://schemas.openxmlformats.org/officeDocument/2006/relationships" xmlns:p="http://schemas.openxmlformats.org/presentationml/2006/main">
   <p:cSld>
     <p:spTree>
       <p:nvGrpSpPr>
@@ -3903,12 +3875,12 @@
       </p:grpSpPr>
       <p:grpSp>
         <p:nvGrpSpPr>
-          <p:cNvPr name="Group 2" id="2"/>
+          <p:cNvPr id="2" name="Group 2"/>
           <p:cNvGrpSpPr/>
           <p:nvPr/>
         </p:nvGrpSpPr>
         <p:grpSpPr>
-          <a:xfrm rot="0">
+          <a:xfrm>
             <a:off x="1885319" y="3326256"/>
             <a:ext cx="14517363" cy="2864239"/>
             <a:chOff x="0" y="0"/>
@@ -3917,12 +3889,12 @@
         </p:grpSpPr>
         <p:sp>
           <p:nvSpPr>
-            <p:cNvPr name="TextBox 3" id="3"/>
-            <p:cNvSpPr txBox="true"/>
+            <p:cNvPr id="3" name="TextBox 3"/>
+            <p:cNvSpPr txBox="1"/>
             <p:nvPr/>
           </p:nvSpPr>
           <p:spPr>
-            <a:xfrm rot="0">
+            <a:xfrm>
               <a:off x="0" y="0"/>
               <a:ext cx="19356483" cy="2424245"/>
             </a:xfrm>
@@ -3931,7 +3903,7 @@
             </a:prstGeom>
           </p:spPr>
           <p:txBody>
-            <a:bodyPr anchor="t" rtlCol="false" tIns="0" lIns="0" bIns="0" rIns="0">
+            <a:bodyPr lIns="0" tIns="0" rIns="0" bIns="0" rtlCol="0" anchor="t">
               <a:spAutoFit/>
             </a:bodyPr>
             <a:lstStyle/>
@@ -3955,12 +3927,12 @@
         </p:sp>
         <p:sp>
           <p:nvSpPr>
-            <p:cNvPr name="TextBox 4" id="4"/>
-            <p:cNvSpPr txBox="true"/>
+            <p:cNvPr id="4" name="TextBox 4"/>
+            <p:cNvSpPr txBox="1"/>
             <p:nvPr/>
           </p:nvSpPr>
           <p:spPr>
-            <a:xfrm rot="0">
+            <a:xfrm>
               <a:off x="3973230" y="2989543"/>
               <a:ext cx="11410022" cy="829442"/>
             </a:xfrm>
@@ -3969,7 +3941,7 @@
             </a:prstGeom>
           </p:spPr>
           <p:txBody>
-            <a:bodyPr anchor="t" rtlCol="false" tIns="0" lIns="0" bIns="0" rIns="0">
+            <a:bodyPr lIns="0" tIns="0" rIns="0" bIns="0" rtlCol="0" anchor="t">
               <a:spAutoFit/>
             </a:bodyPr>
             <a:lstStyle/>
@@ -3997,12 +3969,12 @@
       </p:grpSp>
       <p:sp>
         <p:nvSpPr>
-          <p:cNvPr name="AutoShape 5" id="5"/>
+          <p:cNvPr id="5" name="AutoShape 5"/>
           <p:cNvSpPr/>
           <p:nvPr/>
         </p:nvSpPr>
         <p:spPr>
-          <a:xfrm rot="0">
+          <a:xfrm>
             <a:off x="1028700" y="1028700"/>
             <a:ext cx="4025059" cy="130665"/>
           </a:xfrm>
@@ -4016,12 +3988,12 @@
       </p:sp>
       <p:sp>
         <p:nvSpPr>
-          <p:cNvPr name="AutoShape 6" id="6"/>
+          <p:cNvPr id="6" name="AutoShape 6"/>
           <p:cNvSpPr/>
           <p:nvPr/>
         </p:nvSpPr>
         <p:spPr>
-          <a:xfrm rot="0">
+          <a:xfrm>
             <a:off x="13234241" y="9127635"/>
             <a:ext cx="4025059" cy="130665"/>
           </a:xfrm>
@@ -4042,7 +4014,7 @@
 </file>
 
 <file path=ppt/slides/slide2.xml><?xml version="1.0" encoding="utf-8"?>
-<p:sld xmlns:p="http://schemas.openxmlformats.org/presentationml/2006/main" xmlns:a="http://schemas.openxmlformats.org/drawingml/2006/main">
+<p:sld xmlns:a="http://schemas.openxmlformats.org/drawingml/2006/main" xmlns:r="http://schemas.openxmlformats.org/officeDocument/2006/relationships" xmlns:p="http://schemas.openxmlformats.org/presentationml/2006/main">
   <p:cSld>
     <p:spTree>
       <p:nvGrpSpPr>
@@ -4060,12 +4032,12 @@
       </p:grpSpPr>
       <p:sp>
         <p:nvSpPr>
-          <p:cNvPr name="TextBox 2" id="2"/>
-          <p:cNvSpPr txBox="true"/>
+          <p:cNvPr id="2" name="TextBox 2"/>
+          <p:cNvSpPr txBox="1"/>
           <p:nvPr/>
         </p:nvSpPr>
         <p:spPr>
-          <a:xfrm rot="0">
+          <a:xfrm>
             <a:off x="1028700" y="952500"/>
             <a:ext cx="9092718" cy="1112417"/>
           </a:xfrm>
@@ -4074,7 +4046,7 @@
           </a:prstGeom>
         </p:spPr>
         <p:txBody>
-          <a:bodyPr anchor="t" rtlCol="false" tIns="0" lIns="0" bIns="0" rIns="0">
+          <a:bodyPr lIns="0" tIns="0" rIns="0" bIns="0" rtlCol="0" anchor="t">
             <a:spAutoFit/>
           </a:bodyPr>
           <a:lstStyle/>
@@ -4085,7 +4057,7 @@
               </a:lnSpc>
             </a:pPr>
             <a:r>
-              <a:rPr lang="en-US" sz="6800">
+              <a:rPr lang="en-US" sz="6800" dirty="0">
                 <a:solidFill>
                   <a:srgbClr val="004AAD"/>
                 </a:solidFill>
@@ -4098,26 +4070,26 @@
       </p:sp>
       <p:sp>
         <p:nvSpPr>
-          <p:cNvPr name="TextBox 3" id="3"/>
-          <p:cNvSpPr txBox="true"/>
+          <p:cNvPr id="3" name="TextBox 3"/>
+          <p:cNvSpPr txBox="1"/>
           <p:nvPr/>
         </p:nvSpPr>
         <p:spPr>
-          <a:xfrm rot="0">
+          <a:xfrm>
             <a:off x="1028700" y="3087419"/>
-            <a:ext cx="16230600" cy="2116425"/>
+            <a:ext cx="16230600" cy="3645550"/>
           </a:xfrm>
           <a:prstGeom prst="rect">
             <a:avLst/>
           </a:prstGeom>
         </p:spPr>
         <p:txBody>
-          <a:bodyPr anchor="t" rtlCol="false" tIns="0" lIns="0" bIns="0" rIns="0">
+          <a:bodyPr lIns="0" tIns="0" rIns="0" bIns="0" rtlCol="0" anchor="t">
             <a:spAutoFit/>
           </a:bodyPr>
           <a:lstStyle/>
           <a:p>
-            <a:pPr marL="561340" indent="-280670" lvl="1">
+            <a:pPr marL="561340" lvl="1" indent="-280670">
               <a:lnSpc>
                 <a:spcPts val="5780"/>
               </a:lnSpc>
@@ -4125,7 +4097,7 @@
               <a:buChar char="•"/>
             </a:pPr>
             <a:r>
-              <a:rPr lang="en-US" sz="3400">
+              <a:rPr lang="en-US" sz="3400" dirty="0">
                 <a:solidFill>
                   <a:srgbClr val="171717"/>
                 </a:solidFill>
@@ -4135,7 +4107,20 @@
             </a:r>
           </a:p>
           <a:p>
-            <a:pPr marL="561340" indent="-280670" lvl="1">
+            <a:pPr marL="280670" lvl="1">
+              <a:lnSpc>
+                <a:spcPts val="5780"/>
+              </a:lnSpc>
+            </a:pPr>
+            <a:endParaRPr lang="en-US" sz="3400" dirty="0">
+              <a:solidFill>
+                <a:srgbClr val="171717"/>
+              </a:solidFill>
+              <a:latin typeface="Open Sans"/>
+            </a:endParaRPr>
+          </a:p>
+          <a:p>
+            <a:pPr marL="561340" lvl="1" indent="-280670">
               <a:lnSpc>
                 <a:spcPts val="5780"/>
               </a:lnSpc>
@@ -4143,7 +4128,7 @@
               <a:buChar char="•"/>
             </a:pPr>
             <a:r>
-              <a:rPr lang="en-US" sz="3400">
+              <a:rPr lang="en-US" sz="3400" dirty="0">
                 <a:solidFill>
                   <a:srgbClr val="171717"/>
                 </a:solidFill>
@@ -4153,7 +4138,20 @@
             </a:r>
           </a:p>
           <a:p>
-            <a:pPr marL="561340" indent="-280670" lvl="1">
+            <a:pPr marL="280670" lvl="1">
+              <a:lnSpc>
+                <a:spcPts val="5780"/>
+              </a:lnSpc>
+            </a:pPr>
+            <a:endParaRPr lang="en-US" sz="3400" dirty="0">
+              <a:solidFill>
+                <a:srgbClr val="171717"/>
+              </a:solidFill>
+              <a:latin typeface="Open Sans"/>
+            </a:endParaRPr>
+          </a:p>
+          <a:p>
+            <a:pPr marL="561340" lvl="1" indent="-280670">
               <a:lnSpc>
                 <a:spcPts val="5780"/>
               </a:lnSpc>
@@ -4161,7 +4159,7 @@
               <a:buChar char="•"/>
             </a:pPr>
             <a:r>
-              <a:rPr lang="en-US" sz="3400">
+              <a:rPr lang="en-US" sz="3400" dirty="0">
                 <a:solidFill>
                   <a:srgbClr val="171717"/>
                 </a:solidFill>
@@ -4174,12 +4172,12 @@
       </p:sp>
       <p:sp>
         <p:nvSpPr>
-          <p:cNvPr name="AutoShape 4" id="4"/>
+          <p:cNvPr id="4" name="AutoShape 4"/>
           <p:cNvSpPr/>
           <p:nvPr/>
         </p:nvSpPr>
         <p:spPr>
-          <a:xfrm rot="0">
+          <a:xfrm>
             <a:off x="1028700" y="2263469"/>
             <a:ext cx="4025059" cy="130665"/>
           </a:xfrm>
@@ -4200,7 +4198,7 @@
 </file>
 
 <file path=ppt/slides/slide3.xml><?xml version="1.0" encoding="utf-8"?>
-<p:sld xmlns:p="http://schemas.openxmlformats.org/presentationml/2006/main" xmlns:a="http://schemas.openxmlformats.org/drawingml/2006/main" xmlns:r="http://schemas.openxmlformats.org/officeDocument/2006/relationships">
+<p:sld xmlns:a="http://schemas.openxmlformats.org/drawingml/2006/main" xmlns:r="http://schemas.openxmlformats.org/officeDocument/2006/relationships" xmlns:p="http://schemas.openxmlformats.org/presentationml/2006/main">
   <p:cSld>
     <p:spTree>
       <p:nvGrpSpPr>
@@ -4218,12 +4216,12 @@
       </p:grpSpPr>
       <p:sp>
         <p:nvSpPr>
-          <p:cNvPr name="TextBox 2" id="2"/>
-          <p:cNvSpPr txBox="true"/>
+          <p:cNvPr id="2" name="TextBox 2"/>
+          <p:cNvSpPr txBox="1"/>
           <p:nvPr/>
         </p:nvSpPr>
         <p:spPr>
-          <a:xfrm rot="0">
+          <a:xfrm>
             <a:off x="1028700" y="434306"/>
             <a:ext cx="10355324" cy="1112588"/>
           </a:xfrm>
@@ -4232,7 +4230,7 @@
           </a:prstGeom>
         </p:spPr>
         <p:txBody>
-          <a:bodyPr anchor="t" rtlCol="false" tIns="0" lIns="0" bIns="0" rIns="0">
+          <a:bodyPr lIns="0" tIns="0" rIns="0" bIns="0" rtlCol="0" anchor="t">
             <a:spAutoFit/>
           </a:bodyPr>
           <a:lstStyle/>
@@ -4256,12 +4254,12 @@
       </p:sp>
       <p:sp>
         <p:nvSpPr>
-          <p:cNvPr name="AutoShape 3" id="3"/>
+          <p:cNvPr id="3" name="AutoShape 3"/>
           <p:cNvSpPr/>
           <p:nvPr/>
         </p:nvSpPr>
         <p:spPr>
-          <a:xfrm rot="0">
+          <a:xfrm>
             <a:off x="1028700" y="1546894"/>
             <a:ext cx="4025059" cy="130665"/>
           </a:xfrm>
@@ -4275,12 +4273,12 @@
       </p:sp>
       <p:grpSp>
         <p:nvGrpSpPr>
-          <p:cNvPr name="Group 4" id="4"/>
+          <p:cNvPr id="4" name="Group 4"/>
           <p:cNvGrpSpPr/>
           <p:nvPr/>
         </p:nvGrpSpPr>
         <p:grpSpPr>
-          <a:xfrm rot="0">
+          <a:xfrm>
             <a:off x="1028700" y="2080913"/>
             <a:ext cx="15880091" cy="7581363"/>
             <a:chOff x="0" y="0"/>
@@ -4289,21 +4287,21 @@
         </p:grpSpPr>
         <p:pic>
           <p:nvPicPr>
-            <p:cNvPr name="Picture 5" id="5"/>
+            <p:cNvPr id="5" name="Picture 5"/>
             <p:cNvPicPr>
-              <a:picLocks noChangeAspect="true"/>
+              <a:picLocks noChangeAspect="1"/>
             </p:cNvPicPr>
             <p:nvPr/>
           </p:nvPicPr>
           <p:blipFill>
             <a:blip r:embed="rId3"/>
-            <a:srcRect l="0" t="0" r="0" b="0"/>
+            <a:srcRect/>
             <a:stretch>
               <a:fillRect/>
             </a:stretch>
           </p:blipFill>
           <p:spPr>
-            <a:xfrm flipH="false" flipV="false" rot="0">
+            <a:xfrm>
               <a:off x="18523907" y="1585593"/>
               <a:ext cx="1404307" cy="1291963"/>
             </a:xfrm>
@@ -4314,21 +4312,21 @@
         </p:pic>
         <p:pic>
           <p:nvPicPr>
-            <p:cNvPr name="Picture 6" id="6"/>
+            <p:cNvPr id="6" name="Picture 6"/>
             <p:cNvPicPr>
-              <a:picLocks noChangeAspect="true"/>
+              <a:picLocks noChangeAspect="1"/>
             </p:cNvPicPr>
             <p:nvPr/>
           </p:nvPicPr>
           <p:blipFill>
             <a:blip r:embed="rId4"/>
-            <a:srcRect l="0" t="0" r="0" b="0"/>
+            <a:srcRect/>
             <a:stretch>
               <a:fillRect/>
             </a:stretch>
           </p:blipFill>
           <p:spPr>
-            <a:xfrm flipH="false" flipV="false" rot="0">
+            <a:xfrm>
               <a:off x="18517748" y="7541578"/>
               <a:ext cx="1416626" cy="1291963"/>
             </a:xfrm>
@@ -4339,12 +4337,12 @@
         </p:pic>
         <p:grpSp>
           <p:nvGrpSpPr>
-            <p:cNvPr name="Group 7" id="7"/>
+            <p:cNvPr id="7" name="Group 7"/>
             <p:cNvGrpSpPr/>
             <p:nvPr/>
           </p:nvGrpSpPr>
           <p:grpSpPr>
-            <a:xfrm rot="0">
+            <a:xfrm>
               <a:off x="10157331" y="7563264"/>
               <a:ext cx="1491713" cy="1291963"/>
               <a:chOff x="0" y="0"/>
@@ -4353,7 +4351,7 @@
           </p:grpSpPr>
           <p:sp>
             <p:nvSpPr>
-              <p:cNvPr name="Freeform 8" id="8"/>
+              <p:cNvPr id="8" name="Freeform 8"/>
               <p:cNvSpPr/>
               <p:nvPr/>
             </p:nvSpPr>
@@ -4367,9 +4365,9 @@
                 <a:gdLst/>
                 <a:ahLst/>
                 <a:cxnLst/>
-                <a:rect r="r" b="b" t="t" l="l"/>
+                <a:rect l="l" t="t" r="r" b="b"/>
                 <a:pathLst>
-                  <a:path h="5372100" w="6202680">
+                  <a:path w="6202680" h="5372100">
                     <a:moveTo>
                       <a:pt x="4652010" y="0"/>
                     </a:moveTo>
@@ -4403,21 +4401,21 @@
         </p:grpSp>
         <p:pic>
           <p:nvPicPr>
-            <p:cNvPr name="Picture 9" id="9"/>
+            <p:cNvPr id="9" name="Picture 9"/>
             <p:cNvPicPr>
-              <a:picLocks noChangeAspect="true"/>
+              <a:picLocks noChangeAspect="1"/>
             </p:cNvPicPr>
             <p:nvPr/>
           </p:nvPicPr>
           <p:blipFill>
             <a:blip r:embed="rId5"/>
-            <a:srcRect l="0" t="0" r="0" b="0"/>
+            <a:srcRect/>
             <a:stretch>
               <a:fillRect/>
             </a:stretch>
           </p:blipFill>
           <p:spPr>
-            <a:xfrm flipH="false" flipV="false" rot="0">
+            <a:xfrm>
               <a:off x="10465150" y="7904824"/>
               <a:ext cx="876074" cy="578803"/>
             </a:xfrm>
@@ -4428,21 +4426,21 @@
         </p:pic>
         <p:pic>
           <p:nvPicPr>
-            <p:cNvPr name="Picture 10" id="10"/>
+            <p:cNvPr id="10" name="Picture 10"/>
             <p:cNvPicPr>
-              <a:picLocks noChangeAspect="true"/>
+              <a:picLocks noChangeAspect="1"/>
             </p:cNvPicPr>
             <p:nvPr/>
           </p:nvPicPr>
           <p:blipFill>
             <a:blip r:embed="rId6"/>
-            <a:srcRect l="0" t="0" r="0" b="0"/>
+            <a:srcRect/>
             <a:stretch>
               <a:fillRect/>
             </a:stretch>
           </p:blipFill>
           <p:spPr>
-            <a:xfrm flipH="false" flipV="false" rot="0">
+            <a:xfrm>
               <a:off x="2705828" y="1433368"/>
               <a:ext cx="1503164" cy="1370885"/>
             </a:xfrm>
@@ -4453,21 +4451,21 @@
         </p:pic>
         <p:pic>
           <p:nvPicPr>
-            <p:cNvPr name="Picture 11" id="11"/>
+            <p:cNvPr id="11" name="Picture 11"/>
             <p:cNvPicPr>
-              <a:picLocks noChangeAspect="true"/>
+              <a:picLocks noChangeAspect="1"/>
             </p:cNvPicPr>
             <p:nvPr/>
           </p:nvPicPr>
           <p:blipFill>
             <a:blip r:embed="rId7"/>
-            <a:srcRect l="0" t="0" r="0" b="0"/>
+            <a:srcRect/>
             <a:stretch>
               <a:fillRect/>
             </a:stretch>
           </p:blipFill>
           <p:spPr>
-            <a:xfrm flipH="false" flipV="false" rot="0">
+            <a:xfrm>
               <a:off x="10107075" y="1613669"/>
               <a:ext cx="1303297" cy="1261923"/>
             </a:xfrm>
@@ -4478,7 +4476,7 @@
         </p:pic>
         <p:grpSp>
           <p:nvGrpSpPr>
-            <p:cNvPr name="Group 12" id="12"/>
+            <p:cNvPr id="12" name="Group 12"/>
             <p:cNvGrpSpPr/>
             <p:nvPr/>
           </p:nvGrpSpPr>
@@ -4492,7 +4490,7 @@
           </p:grpSpPr>
           <p:sp>
             <p:nvSpPr>
-              <p:cNvPr name="Freeform 13" id="13"/>
+              <p:cNvPr id="13" name="Freeform 13"/>
               <p:cNvSpPr/>
               <p:nvPr/>
             </p:nvSpPr>
@@ -4506,9 +4504,9 @@
                 <a:gdLst/>
                 <a:ahLst/>
                 <a:cxnLst/>
-                <a:rect r="r" b="b" t="t" l="l"/>
+                <a:rect l="l" t="t" r="r" b="b"/>
                 <a:pathLst>
-                  <a:path h="69850" w="3335415">
+                  <a:path w="3335415" h="69850">
                     <a:moveTo>
                       <a:pt x="3044585" y="0"/>
                     </a:moveTo>
@@ -4536,12 +4534,12 @@
         </p:grpSp>
         <p:grpSp>
           <p:nvGrpSpPr>
-            <p:cNvPr name="Group 14" id="14"/>
+            <p:cNvPr id="14" name="Group 14"/>
             <p:cNvGrpSpPr/>
             <p:nvPr/>
           </p:nvGrpSpPr>
           <p:grpSpPr>
-            <a:xfrm rot="0">
+            <a:xfrm>
               <a:off x="8874401" y="596847"/>
               <a:ext cx="589827" cy="510845"/>
               <a:chOff x="0" y="0"/>
@@ -4550,7 +4548,7 @@
           </p:grpSpPr>
           <p:sp>
             <p:nvSpPr>
-              <p:cNvPr name="Freeform 15" id="15"/>
+              <p:cNvPr id="15" name="Freeform 15"/>
               <p:cNvSpPr/>
               <p:nvPr/>
             </p:nvSpPr>
@@ -4564,9 +4562,9 @@
                 <a:gdLst/>
                 <a:ahLst/>
                 <a:cxnLst/>
-                <a:rect r="r" b="b" t="t" l="l"/>
+                <a:rect l="l" t="t" r="r" b="b"/>
                 <a:pathLst>
-                  <a:path h="5372100" w="6202680">
+                  <a:path w="6202680" h="5372100">
                     <a:moveTo>
                       <a:pt x="4652010" y="0"/>
                     </a:moveTo>
@@ -4600,12 +4598,12 @@
         </p:grpSp>
         <p:sp>
           <p:nvSpPr>
-            <p:cNvPr name="TextBox 16" id="16"/>
-            <p:cNvSpPr txBox="true"/>
+            <p:cNvPr id="16" name="TextBox 16"/>
+            <p:cNvSpPr txBox="1"/>
             <p:nvPr/>
           </p:nvSpPr>
           <p:spPr>
-            <a:xfrm rot="0">
+            <a:xfrm>
               <a:off x="9060239" y="481454"/>
               <a:ext cx="218150" cy="626238"/>
             </a:xfrm>
@@ -4614,7 +4612,7 @@
             </a:prstGeom>
           </p:spPr>
           <p:txBody>
-            <a:bodyPr anchor="t" rtlCol="false" tIns="0" lIns="0" bIns="0" rIns="0">
+            <a:bodyPr lIns="0" tIns="0" rIns="0" bIns="0" rtlCol="0" anchor="t">
               <a:spAutoFit/>
             </a:bodyPr>
             <a:lstStyle/>
@@ -4638,7 +4636,7 @@
         </p:sp>
         <p:grpSp>
           <p:nvGrpSpPr>
-            <p:cNvPr name="Group 17" id="17"/>
+            <p:cNvPr id="17" name="Group 17"/>
             <p:cNvGrpSpPr/>
             <p:nvPr/>
           </p:nvGrpSpPr>
@@ -4652,7 +4650,7 @@
           </p:grpSpPr>
           <p:sp>
             <p:nvSpPr>
-              <p:cNvPr name="Freeform 18" id="18"/>
+              <p:cNvPr id="18" name="Freeform 18"/>
               <p:cNvSpPr/>
               <p:nvPr/>
             </p:nvSpPr>
@@ -4666,9 +4664,9 @@
                 <a:gdLst/>
                 <a:ahLst/>
                 <a:cxnLst/>
-                <a:rect r="r" b="b" t="t" l="l"/>
+                <a:rect l="l" t="t" r="r" b="b"/>
                 <a:pathLst>
-                  <a:path h="69850" w="1215502">
+                  <a:path w="1215502" h="69850">
                     <a:moveTo>
                       <a:pt x="924673" y="0"/>
                     </a:moveTo>
@@ -4696,12 +4694,12 @@
         </p:grpSp>
         <p:grpSp>
           <p:nvGrpSpPr>
-            <p:cNvPr name="Group 19" id="19"/>
+            <p:cNvPr id="19" name="Group 19"/>
             <p:cNvGrpSpPr/>
             <p:nvPr/>
           </p:nvGrpSpPr>
           <p:grpSpPr>
-            <a:xfrm rot="0">
+            <a:xfrm>
               <a:off x="10463197" y="638849"/>
               <a:ext cx="602582" cy="521892"/>
               <a:chOff x="0" y="0"/>
@@ -4710,7 +4708,7 @@
           </p:grpSpPr>
           <p:sp>
             <p:nvSpPr>
-              <p:cNvPr name="Freeform 20" id="20"/>
+              <p:cNvPr id="20" name="Freeform 20"/>
               <p:cNvSpPr/>
               <p:nvPr/>
             </p:nvSpPr>
@@ -4724,9 +4722,9 @@
                 <a:gdLst/>
                 <a:ahLst/>
                 <a:cxnLst/>
-                <a:rect r="r" b="b" t="t" l="l"/>
+                <a:rect l="l" t="t" r="r" b="b"/>
                 <a:pathLst>
-                  <a:path h="5372100" w="6202680">
+                  <a:path w="6202680" h="5372100">
                     <a:moveTo>
                       <a:pt x="4652010" y="0"/>
                     </a:moveTo>
@@ -4760,7 +4758,7 @@
         </p:grpSp>
         <p:grpSp>
           <p:nvGrpSpPr>
-            <p:cNvPr name="Group 21" id="21"/>
+            <p:cNvPr id="21" name="Group 21"/>
             <p:cNvGrpSpPr/>
             <p:nvPr/>
           </p:nvGrpSpPr>
@@ -4774,7 +4772,7 @@
           </p:grpSpPr>
           <p:sp>
             <p:nvSpPr>
-              <p:cNvPr name="Freeform 22" id="22"/>
+              <p:cNvPr id="22" name="Freeform 22"/>
               <p:cNvSpPr/>
               <p:nvPr/>
             </p:nvSpPr>
@@ -4788,9 +4786,9 @@
                 <a:gdLst/>
                 <a:ahLst/>
                 <a:cxnLst/>
-                <a:rect r="r" b="b" t="t" l="l"/>
+                <a:rect l="l" t="t" r="r" b="b"/>
                 <a:pathLst>
-                  <a:path h="69850" w="3189292">
+                  <a:path w="3189292" h="69850">
                     <a:moveTo>
                       <a:pt x="2898462" y="0"/>
                     </a:moveTo>
@@ -4818,12 +4816,12 @@
         </p:grpSp>
         <p:grpSp>
           <p:nvGrpSpPr>
-            <p:cNvPr name="Group 23" id="23"/>
+            <p:cNvPr id="23" name="Group 23"/>
             <p:cNvGrpSpPr/>
             <p:nvPr/>
           </p:nvGrpSpPr>
           <p:grpSpPr>
-            <a:xfrm rot="0">
+            <a:xfrm>
               <a:off x="12120168" y="627964"/>
               <a:ext cx="602582" cy="521892"/>
               <a:chOff x="0" y="0"/>
@@ -4832,7 +4830,7 @@
           </p:grpSpPr>
           <p:sp>
             <p:nvSpPr>
-              <p:cNvPr name="Freeform 24" id="24"/>
+              <p:cNvPr id="24" name="Freeform 24"/>
               <p:cNvSpPr/>
               <p:nvPr/>
             </p:nvSpPr>
@@ -4846,9 +4844,9 @@
                 <a:gdLst/>
                 <a:ahLst/>
                 <a:cxnLst/>
-                <a:rect r="r" b="b" t="t" l="l"/>
+                <a:rect l="l" t="t" r="r" b="b"/>
                 <a:pathLst>
-                  <a:path h="5372100" w="6202680">
+                  <a:path w="6202680" h="5372100">
                     <a:moveTo>
                       <a:pt x="4652010" y="0"/>
                     </a:moveTo>
@@ -4882,12 +4880,12 @@
         </p:grpSp>
         <p:sp>
           <p:nvSpPr>
-            <p:cNvPr name="TextBox 25" id="25"/>
-            <p:cNvSpPr txBox="true"/>
+            <p:cNvPr id="25" name="TextBox 25"/>
+            <p:cNvSpPr txBox="1"/>
             <p:nvPr/>
           </p:nvSpPr>
           <p:spPr>
-            <a:xfrm rot="0">
+            <a:xfrm>
               <a:off x="9249515" y="3130028"/>
               <a:ext cx="3029945" cy="1006687"/>
             </a:xfrm>
@@ -4896,7 +4894,7 @@
             </a:prstGeom>
           </p:spPr>
           <p:txBody>
-            <a:bodyPr anchor="t" rtlCol="false" tIns="0" lIns="0" bIns="0" rIns="0">
+            <a:bodyPr lIns="0" tIns="0" rIns="0" bIns="0" rtlCol="0" anchor="t">
               <a:spAutoFit/>
             </a:bodyPr>
             <a:lstStyle/>
@@ -4936,21 +4934,21 @@
         </p:sp>
         <p:pic>
           <p:nvPicPr>
-            <p:cNvPr name="Picture 26" id="26"/>
+            <p:cNvPr id="26" name="Picture 26"/>
             <p:cNvPicPr>
-              <a:picLocks noChangeAspect="true"/>
+              <a:picLocks noChangeAspect="1"/>
             </p:cNvPicPr>
             <p:nvPr/>
           </p:nvPicPr>
           <p:blipFill>
             <a:blip r:embed="rId8"/>
-            <a:srcRect l="0" t="0" r="0" b="0"/>
+            <a:srcRect/>
             <a:stretch>
               <a:fillRect/>
             </a:stretch>
           </p:blipFill>
           <p:spPr>
-            <a:xfrm flipH="false" flipV="false" rot="0">
+            <a:xfrm>
               <a:off x="14400648" y="4365799"/>
               <a:ext cx="1371655" cy="1261923"/>
             </a:xfrm>
@@ -4961,12 +4959,12 @@
         </p:pic>
         <p:grpSp>
           <p:nvGrpSpPr>
-            <p:cNvPr name="Group 27" id="27"/>
+            <p:cNvPr id="27" name="Group 27"/>
             <p:cNvGrpSpPr/>
             <p:nvPr/>
           </p:nvGrpSpPr>
           <p:grpSpPr>
-            <a:xfrm rot="0">
+            <a:xfrm>
               <a:off x="7464827" y="2039338"/>
               <a:ext cx="2642249" cy="425521"/>
               <a:chOff x="0" y="0"/>
@@ -4975,7 +4973,7 @@
           </p:grpSpPr>
           <p:sp>
             <p:nvSpPr>
-              <p:cNvPr name="Freeform 28" id="28"/>
+              <p:cNvPr id="28" name="Freeform 28"/>
               <p:cNvSpPr/>
               <p:nvPr/>
             </p:nvSpPr>
@@ -4989,9 +4987,9 @@
                 <a:gdLst/>
                 <a:ahLst/>
                 <a:cxnLst/>
-                <a:rect r="r" b="b" t="t" l="l"/>
+                <a:rect l="l" t="t" r="r" b="b"/>
                 <a:pathLst>
-                  <a:path h="76200" w="2858487">
+                  <a:path w="2858487" h="76200">
                     <a:moveTo>
                       <a:pt x="0" y="0"/>
                     </a:moveTo>
@@ -5015,7 +5013,7 @@
           </p:sp>
           <p:sp>
             <p:nvSpPr>
-              <p:cNvPr name="Freeform 29" id="29"/>
+              <p:cNvPr id="29" name="Freeform 29"/>
               <p:cNvSpPr/>
               <p:nvPr/>
             </p:nvSpPr>
@@ -5029,9 +5027,9 @@
                 <a:gdLst/>
                 <a:ahLst/>
                 <a:cxnLst/>
-                <a:rect r="r" b="b" t="t" l="l"/>
+                <a:rect l="l" t="t" r="r" b="b"/>
                 <a:pathLst>
-                  <a:path h="505460" w="374650">
+                  <a:path w="374650" h="505460">
                     <a:moveTo>
                       <a:pt x="0" y="505460"/>
                     </a:moveTo>
@@ -5053,7 +5051,7 @@
         </p:grpSp>
         <p:grpSp>
           <p:nvGrpSpPr>
-            <p:cNvPr name="Group 30" id="30"/>
+            <p:cNvPr id="30" name="Group 30"/>
             <p:cNvGrpSpPr/>
             <p:nvPr/>
           </p:nvGrpSpPr>
@@ -5067,7 +5065,7 @@
           </p:grpSpPr>
           <p:sp>
             <p:nvSpPr>
-              <p:cNvPr name="Freeform 31" id="31"/>
+              <p:cNvPr id="31" name="Freeform 31"/>
               <p:cNvSpPr/>
               <p:nvPr/>
             </p:nvSpPr>
@@ -5081,9 +5079,9 @@
                 <a:gdLst/>
                 <a:ahLst/>
                 <a:cxnLst/>
-                <a:rect r="r" b="b" t="t" l="l"/>
+                <a:rect l="l" t="t" r="r" b="b"/>
                 <a:pathLst>
-                  <a:path h="76200" w="7911511">
+                  <a:path w="7911511" h="76200">
                     <a:moveTo>
                       <a:pt x="0" y="0"/>
                     </a:moveTo>
@@ -5107,7 +5105,7 @@
           </p:sp>
           <p:sp>
             <p:nvSpPr>
-              <p:cNvPr name="Freeform 32" id="32"/>
+              <p:cNvPr id="32" name="Freeform 32"/>
               <p:cNvSpPr/>
               <p:nvPr/>
             </p:nvSpPr>
@@ -5121,9 +5119,9 @@
                 <a:gdLst/>
                 <a:ahLst/>
                 <a:cxnLst/>
-                <a:rect r="r" b="b" t="t" l="l"/>
+                <a:rect l="l" t="t" r="r" b="b"/>
                 <a:pathLst>
-                  <a:path h="505460" w="374650">
+                  <a:path w="374650" h="505460">
                     <a:moveTo>
                       <a:pt x="0" y="505460"/>
                     </a:moveTo>
@@ -5145,7 +5143,7 @@
         </p:grpSp>
         <p:grpSp>
           <p:nvGrpSpPr>
-            <p:cNvPr name="Group 33" id="33"/>
+            <p:cNvPr id="33" name="Group 33"/>
             <p:cNvGrpSpPr/>
             <p:nvPr/>
           </p:nvGrpSpPr>
@@ -5159,7 +5157,7 @@
           </p:grpSpPr>
           <p:sp>
             <p:nvSpPr>
-              <p:cNvPr name="Freeform 34" id="34"/>
+              <p:cNvPr id="34" name="Freeform 34"/>
               <p:cNvSpPr/>
               <p:nvPr/>
             </p:nvSpPr>
@@ -5173,9 +5171,9 @@
                 <a:gdLst/>
                 <a:ahLst/>
                 <a:cxnLst/>
-                <a:rect r="r" b="b" t="t" l="l"/>
+                <a:rect l="l" t="t" r="r" b="b"/>
                 <a:pathLst>
-                  <a:path h="76200" w="4501571">
+                  <a:path w="4501571" h="76200">
                     <a:moveTo>
                       <a:pt x="0" y="0"/>
                     </a:moveTo>
@@ -5199,7 +5197,7 @@
           </p:sp>
           <p:sp>
             <p:nvSpPr>
-              <p:cNvPr name="Freeform 35" id="35"/>
+              <p:cNvPr id="35" name="Freeform 35"/>
               <p:cNvSpPr/>
               <p:nvPr/>
             </p:nvSpPr>
@@ -5213,9 +5211,9 @@
                 <a:gdLst/>
                 <a:ahLst/>
                 <a:cxnLst/>
-                <a:rect r="r" b="b" t="t" l="l"/>
+                <a:rect l="l" t="t" r="r" b="b"/>
                 <a:pathLst>
-                  <a:path h="505460" w="374650">
+                  <a:path w="374650" h="505460">
                     <a:moveTo>
                       <a:pt x="0" y="505460"/>
                     </a:moveTo>
@@ -5237,12 +5235,12 @@
         </p:grpSp>
         <p:grpSp>
           <p:nvGrpSpPr>
-            <p:cNvPr name="Group 36" id="36"/>
+            <p:cNvPr id="36" name="Group 36"/>
             <p:cNvGrpSpPr/>
             <p:nvPr/>
           </p:nvGrpSpPr>
           <p:grpSpPr>
-            <a:xfrm rot="0">
+            <a:xfrm>
               <a:off x="11145215" y="2060883"/>
               <a:ext cx="7372532" cy="425521"/>
               <a:chOff x="0" y="0"/>
@@ -5251,7 +5249,7 @@
           </p:grpSpPr>
           <p:sp>
             <p:nvSpPr>
-              <p:cNvPr name="Freeform 37" id="37"/>
+              <p:cNvPr id="37" name="Freeform 37"/>
               <p:cNvSpPr/>
               <p:nvPr/>
             </p:nvSpPr>
@@ -5265,9 +5263,9 @@
                 <a:gdLst/>
                 <a:ahLst/>
                 <a:cxnLst/>
-                <a:rect r="r" b="b" t="t" l="l"/>
+                <a:rect l="l" t="t" r="r" b="b"/>
                 <a:pathLst>
-                  <a:path h="76200" w="8505644">
+                  <a:path w="8505644" h="76200">
                     <a:moveTo>
                       <a:pt x="0" y="0"/>
                     </a:moveTo>
@@ -5291,7 +5289,7 @@
           </p:sp>
           <p:sp>
             <p:nvSpPr>
-              <p:cNvPr name="Freeform 38" id="38"/>
+              <p:cNvPr id="38" name="Freeform 38"/>
               <p:cNvSpPr/>
               <p:nvPr/>
             </p:nvSpPr>
@@ -5305,9 +5303,9 @@
                 <a:gdLst/>
                 <a:ahLst/>
                 <a:cxnLst/>
-                <a:rect r="r" b="b" t="t" l="l"/>
+                <a:rect l="l" t="t" r="r" b="b"/>
                 <a:pathLst>
-                  <a:path h="505460" w="374650">
+                  <a:path w="374650" h="505460">
                     <a:moveTo>
                       <a:pt x="0" y="505460"/>
                     </a:moveTo>
@@ -5329,7 +5327,7 @@
         </p:grpSp>
         <p:grpSp>
           <p:nvGrpSpPr>
-            <p:cNvPr name="Group 39" id="39"/>
+            <p:cNvPr id="39" name="Group 39"/>
             <p:cNvGrpSpPr/>
             <p:nvPr/>
           </p:nvGrpSpPr>
@@ -5343,7 +5341,7 @@
           </p:grpSpPr>
           <p:sp>
             <p:nvSpPr>
-              <p:cNvPr name="Freeform 40" id="40"/>
+              <p:cNvPr id="40" name="Freeform 40"/>
               <p:cNvSpPr/>
               <p:nvPr/>
             </p:nvSpPr>
@@ -5357,9 +5355,9 @@
                 <a:gdLst/>
                 <a:ahLst/>
                 <a:cxnLst/>
-                <a:rect r="r" b="b" t="t" l="l"/>
+                <a:rect l="l" t="t" r="r" b="b"/>
                 <a:pathLst>
-                  <a:path h="76200" w="5407558">
+                  <a:path w="5407558" h="76200">
                     <a:moveTo>
                       <a:pt x="0" y="0"/>
                     </a:moveTo>
@@ -5383,7 +5381,7 @@
           </p:sp>
           <p:sp>
             <p:nvSpPr>
-              <p:cNvPr name="Freeform 41" id="41"/>
+              <p:cNvPr id="41" name="Freeform 41"/>
               <p:cNvSpPr/>
               <p:nvPr/>
             </p:nvSpPr>
@@ -5397,9 +5395,9 @@
                 <a:gdLst/>
                 <a:ahLst/>
                 <a:cxnLst/>
-                <a:rect r="r" b="b" t="t" l="l"/>
+                <a:rect l="l" t="t" r="r" b="b"/>
                 <a:pathLst>
-                  <a:path h="505460" w="374650">
+                  <a:path w="374650" h="505460">
                     <a:moveTo>
                       <a:pt x="0" y="505460"/>
                     </a:moveTo>
@@ -5421,7 +5419,7 @@
         </p:grpSp>
         <p:grpSp>
           <p:nvGrpSpPr>
-            <p:cNvPr name="Group 42" id="42"/>
+            <p:cNvPr id="42" name="Group 42"/>
             <p:cNvGrpSpPr/>
             <p:nvPr/>
           </p:nvGrpSpPr>
@@ -5435,7 +5433,7 @@
           </p:grpSpPr>
           <p:sp>
             <p:nvSpPr>
-              <p:cNvPr name="Freeform 43" id="43"/>
+              <p:cNvPr id="43" name="Freeform 43"/>
               <p:cNvSpPr/>
               <p:nvPr/>
             </p:nvSpPr>
@@ -5449,9 +5447,9 @@
                 <a:gdLst/>
                 <a:ahLst/>
                 <a:cxnLst/>
-                <a:rect r="r" b="b" t="t" l="l"/>
+                <a:rect l="l" t="t" r="r" b="b"/>
                 <a:pathLst>
-                  <a:path h="76200" w="4509749">
+                  <a:path w="4509749" h="76200">
                     <a:moveTo>
                       <a:pt x="0" y="0"/>
                     </a:moveTo>
@@ -5475,7 +5473,7 @@
           </p:sp>
           <p:sp>
             <p:nvSpPr>
-              <p:cNvPr name="Freeform 44" id="44"/>
+              <p:cNvPr id="44" name="Freeform 44"/>
               <p:cNvSpPr/>
               <p:nvPr/>
             </p:nvSpPr>
@@ -5489,9 +5487,9 @@
                 <a:gdLst/>
                 <a:ahLst/>
                 <a:cxnLst/>
-                <a:rect r="r" b="b" t="t" l="l"/>
+                <a:rect l="l" t="t" r="r" b="b"/>
                 <a:pathLst>
-                  <a:path h="505460" w="374650">
+                  <a:path w="374650" h="505460">
                     <a:moveTo>
                       <a:pt x="0" y="505460"/>
                     </a:moveTo>
@@ -5513,7 +5511,7 @@
         </p:grpSp>
         <p:grpSp>
           <p:nvGrpSpPr>
-            <p:cNvPr name="Group 45" id="45"/>
+            <p:cNvPr id="45" name="Group 45"/>
             <p:cNvGrpSpPr/>
             <p:nvPr/>
           </p:nvGrpSpPr>
@@ -5527,7 +5525,7 @@
           </p:grpSpPr>
           <p:sp>
             <p:nvSpPr>
-              <p:cNvPr name="Freeform 46" id="46"/>
+              <p:cNvPr id="46" name="Freeform 46"/>
               <p:cNvSpPr/>
               <p:nvPr/>
             </p:nvSpPr>
@@ -5541,9 +5539,9 @@
                 <a:gdLst/>
                 <a:ahLst/>
                 <a:cxnLst/>
-                <a:rect r="r" b="b" t="t" l="l"/>
+                <a:rect l="l" t="t" r="r" b="b"/>
                 <a:pathLst>
-                  <a:path h="513080" w="4368003">
+                  <a:path w="4368003" h="513080">
                     <a:moveTo>
                       <a:pt x="4368003" y="261620"/>
                     </a:moveTo>
@@ -5586,21 +5584,21 @@
         </p:grpSp>
         <p:pic>
           <p:nvPicPr>
-            <p:cNvPr name="Picture 47" id="47"/>
+            <p:cNvPr id="47" name="Picture 47"/>
             <p:cNvPicPr>
-              <a:picLocks noChangeAspect="true"/>
+              <a:picLocks noChangeAspect="1"/>
             </p:cNvPicPr>
             <p:nvPr/>
           </p:nvPicPr>
           <p:blipFill>
             <a:blip r:embed="rId9"/>
-            <a:srcRect l="0" t="0" r="0" b="0"/>
+            <a:srcRect/>
             <a:stretch>
               <a:fillRect/>
             </a:stretch>
           </p:blipFill>
           <p:spPr>
-            <a:xfrm flipH="false" flipV="false" rot="0">
+            <a:xfrm>
               <a:off x="2943715" y="7602772"/>
               <a:ext cx="1418365" cy="1293549"/>
             </a:xfrm>
@@ -5611,12 +5609,12 @@
         </p:pic>
         <p:sp>
           <p:nvSpPr>
-            <p:cNvPr name="TextBox 48" id="48"/>
-            <p:cNvSpPr txBox="true"/>
+            <p:cNvPr id="48" name="TextBox 48"/>
+            <p:cNvSpPr txBox="1"/>
             <p:nvPr/>
           </p:nvSpPr>
           <p:spPr>
-            <a:xfrm rot="0">
+            <a:xfrm>
               <a:off x="2502956" y="9101741"/>
               <a:ext cx="2299882" cy="1006744"/>
             </a:xfrm>
@@ -5625,7 +5623,7 @@
             </a:prstGeom>
           </p:spPr>
           <p:txBody>
-            <a:bodyPr anchor="t" rtlCol="false" tIns="0" lIns="0" bIns="0" rIns="0">
+            <a:bodyPr lIns="0" tIns="0" rIns="0" bIns="0" rtlCol="0" anchor="t">
               <a:spAutoFit/>
             </a:bodyPr>
             <a:lstStyle/>
@@ -5665,7 +5663,7 @@
         </p:sp>
         <p:grpSp>
           <p:nvGrpSpPr>
-            <p:cNvPr name="Group 49" id="49"/>
+            <p:cNvPr id="49" name="Group 49"/>
             <p:cNvGrpSpPr/>
             <p:nvPr/>
           </p:nvGrpSpPr>
@@ -5679,7 +5677,7 @@
           </p:grpSpPr>
           <p:sp>
             <p:nvSpPr>
-              <p:cNvPr name="Freeform 50" id="50"/>
+              <p:cNvPr id="50" name="Freeform 50"/>
               <p:cNvSpPr/>
               <p:nvPr/>
             </p:nvSpPr>
@@ -5693,9 +5691,9 @@
                 <a:gdLst/>
                 <a:ahLst/>
                 <a:cxnLst/>
-                <a:rect r="r" b="b" t="t" l="l"/>
+                <a:rect l="l" t="t" r="r" b="b"/>
                 <a:pathLst>
-                  <a:path h="69850" w="2260942">
+                  <a:path w="2260942" h="69850">
                     <a:moveTo>
                       <a:pt x="1970112" y="0"/>
                     </a:moveTo>
@@ -5723,12 +5721,12 @@
         </p:grpSp>
         <p:grpSp>
           <p:nvGrpSpPr>
-            <p:cNvPr name="Group 51" id="51"/>
+            <p:cNvPr id="51" name="Group 51"/>
             <p:cNvGrpSpPr/>
             <p:nvPr/>
           </p:nvGrpSpPr>
           <p:grpSpPr>
-            <a:xfrm rot="0">
+            <a:xfrm>
               <a:off x="1837336" y="8074882"/>
               <a:ext cx="1218545" cy="405117"/>
               <a:chOff x="0" y="0"/>
@@ -5737,7 +5735,7 @@
           </p:grpSpPr>
           <p:sp>
             <p:nvSpPr>
-              <p:cNvPr name="Freeform 52" id="52"/>
+              <p:cNvPr id="52" name="Freeform 52"/>
               <p:cNvSpPr/>
               <p:nvPr/>
             </p:nvSpPr>
@@ -5751,9 +5749,9 @@
                 <a:gdLst/>
                 <a:ahLst/>
                 <a:cxnLst/>
-                <a:rect r="r" b="b" t="t" l="l"/>
+                <a:rect l="l" t="t" r="r" b="b"/>
                 <a:pathLst>
-                  <a:path h="69850" w="1719005">
+                  <a:path w="1719005" h="69850">
                     <a:moveTo>
                       <a:pt x="1428175" y="0"/>
                     </a:moveTo>
@@ -5781,7 +5779,7 @@
         </p:grpSp>
         <p:grpSp>
           <p:nvGrpSpPr>
-            <p:cNvPr name="Group 53" id="53"/>
+            <p:cNvPr id="53" name="Group 53"/>
             <p:cNvGrpSpPr/>
             <p:nvPr/>
           </p:nvGrpSpPr>
@@ -5795,7 +5793,7 @@
           </p:grpSpPr>
           <p:sp>
             <p:nvSpPr>
-              <p:cNvPr name="Freeform 54" id="54"/>
+              <p:cNvPr id="54" name="Freeform 54"/>
               <p:cNvSpPr/>
               <p:nvPr/>
             </p:nvSpPr>
@@ -5809,9 +5807,9 @@
                 <a:gdLst/>
                 <a:ahLst/>
                 <a:cxnLst/>
-                <a:rect r="r" b="b" t="t" l="l"/>
+                <a:rect l="l" t="t" r="r" b="b"/>
                 <a:pathLst>
-                  <a:path h="69850" w="2488832">
+                  <a:path w="2488832" h="69850">
                     <a:moveTo>
                       <a:pt x="2198002" y="0"/>
                     </a:moveTo>
@@ -5839,21 +5837,21 @@
         </p:grpSp>
         <p:pic>
           <p:nvPicPr>
-            <p:cNvPr name="Picture 55" id="55"/>
+            <p:cNvPr id="55" name="Picture 55"/>
             <p:cNvPicPr>
-              <a:picLocks noChangeAspect="true"/>
+              <a:picLocks noChangeAspect="1"/>
             </p:cNvPicPr>
             <p:nvPr/>
           </p:nvPicPr>
           <p:blipFill>
             <a:blip r:embed="rId10"/>
-            <a:srcRect l="0" t="0" r="0" b="0"/>
+            <a:srcRect/>
             <a:stretch>
               <a:fillRect/>
             </a:stretch>
           </p:blipFill>
           <p:spPr>
-            <a:xfrm flipH="false" flipV="false" rot="0">
+            <a:xfrm>
               <a:off x="1262060" y="8016494"/>
               <a:ext cx="572250" cy="521892"/>
             </a:xfrm>
@@ -5864,21 +5862,21 @@
         </p:pic>
         <p:pic>
           <p:nvPicPr>
-            <p:cNvPr name="Picture 56" id="56"/>
+            <p:cNvPr id="56" name="Picture 56"/>
             <p:cNvPicPr>
-              <a:picLocks noChangeAspect="true"/>
+              <a:picLocks noChangeAspect="1"/>
             </p:cNvPicPr>
             <p:nvPr/>
           </p:nvPicPr>
           <p:blipFill>
             <a:blip r:embed="rId11"/>
-            <a:srcRect l="0" t="0" r="0" b="0"/>
+            <a:srcRect/>
             <a:stretch>
               <a:fillRect/>
             </a:stretch>
           </p:blipFill>
           <p:spPr>
-            <a:xfrm flipH="false" flipV="false" rot="0">
+            <a:xfrm>
               <a:off x="1445444" y="9139841"/>
               <a:ext cx="543638" cy="521892"/>
             </a:xfrm>
@@ -5889,12 +5887,12 @@
         </p:pic>
         <p:sp>
           <p:nvSpPr>
-            <p:cNvPr name="TextBox 57" id="57"/>
-            <p:cNvSpPr txBox="true"/>
+            <p:cNvPr id="57" name="TextBox 57"/>
+            <p:cNvSpPr txBox="1"/>
             <p:nvPr/>
           </p:nvSpPr>
           <p:spPr>
-            <a:xfrm rot="0">
+            <a:xfrm>
               <a:off x="0" y="6441402"/>
               <a:ext cx="1548185" cy="1109837"/>
             </a:xfrm>
@@ -5903,7 +5901,7 @@
             </a:prstGeom>
           </p:spPr>
           <p:txBody>
-            <a:bodyPr anchor="t" rtlCol="false" tIns="0" lIns="0" bIns="0" rIns="0">
+            <a:bodyPr lIns="0" tIns="0" rIns="0" bIns="0" rtlCol="0" anchor="t">
               <a:spAutoFit/>
             </a:bodyPr>
             <a:lstStyle/>
@@ -5927,21 +5925,21 @@
         </p:sp>
         <p:pic>
           <p:nvPicPr>
-            <p:cNvPr name="Picture 58" id="58"/>
+            <p:cNvPr id="58" name="Picture 58"/>
             <p:cNvPicPr>
-              <a:picLocks noChangeAspect="true"/>
+              <a:picLocks noChangeAspect="1"/>
             </p:cNvPicPr>
             <p:nvPr/>
           </p:nvPicPr>
           <p:blipFill>
             <a:blip r:embed="rId12"/>
-            <a:srcRect l="0" t="0" r="0" b="0"/>
+            <a:srcRect/>
             <a:stretch>
               <a:fillRect/>
             </a:stretch>
           </p:blipFill>
           <p:spPr>
-            <a:xfrm flipH="false" flipV="false" rot="0">
+            <a:xfrm>
               <a:off x="1416831" y="6829039"/>
               <a:ext cx="572250" cy="521892"/>
             </a:xfrm>
@@ -5952,12 +5950,12 @@
         </p:pic>
         <p:sp>
           <p:nvSpPr>
-            <p:cNvPr name="TextBox 59" id="59"/>
-            <p:cNvSpPr txBox="true"/>
+            <p:cNvPr id="59" name="TextBox 59"/>
+            <p:cNvSpPr txBox="1"/>
             <p:nvPr/>
           </p:nvSpPr>
           <p:spPr>
-            <a:xfrm rot="0">
+            <a:xfrm>
               <a:off x="0" y="7829281"/>
               <a:ext cx="1548185" cy="731354"/>
             </a:xfrm>
@@ -5966,7 +5964,7 @@
             </a:prstGeom>
           </p:spPr>
           <p:txBody>
-            <a:bodyPr anchor="t" rtlCol="false" tIns="0" lIns="0" bIns="0" rIns="0">
+            <a:bodyPr lIns="0" tIns="0" rIns="0" bIns="0" rtlCol="0" anchor="t">
               <a:spAutoFit/>
             </a:bodyPr>
             <a:lstStyle/>
@@ -6006,12 +6004,12 @@
         </p:sp>
         <p:sp>
           <p:nvSpPr>
-            <p:cNvPr name="TextBox 60" id="60"/>
-            <p:cNvSpPr txBox="true"/>
+            <p:cNvPr id="60" name="TextBox 60"/>
+            <p:cNvSpPr txBox="1"/>
             <p:nvPr/>
           </p:nvSpPr>
           <p:spPr>
-            <a:xfrm rot="0">
+            <a:xfrm>
               <a:off x="0" y="9047915"/>
               <a:ext cx="1548185" cy="352871"/>
             </a:xfrm>
@@ -6020,7 +6018,7 @@
             </a:prstGeom>
           </p:spPr>
           <p:txBody>
-            <a:bodyPr anchor="t" rtlCol="false" tIns="0" lIns="0" bIns="0" rIns="0">
+            <a:bodyPr lIns="0" tIns="0" rIns="0" bIns="0" rtlCol="0" anchor="t">
               <a:spAutoFit/>
             </a:bodyPr>
             <a:lstStyle/>
@@ -6044,7 +6042,7 @@
         </p:sp>
         <p:grpSp>
           <p:nvGrpSpPr>
-            <p:cNvPr name="Group 61" id="61"/>
+            <p:cNvPr id="61" name="Group 61"/>
             <p:cNvGrpSpPr/>
             <p:nvPr/>
           </p:nvGrpSpPr>
@@ -6058,7 +6056,7 @@
           </p:grpSpPr>
           <p:sp>
             <p:nvSpPr>
-              <p:cNvPr name="Freeform 62" id="62"/>
+              <p:cNvPr id="62" name="Freeform 62"/>
               <p:cNvSpPr/>
               <p:nvPr/>
             </p:nvSpPr>
@@ -6072,9 +6070,9 @@
                 <a:gdLst/>
                 <a:ahLst/>
                 <a:cxnLst/>
-                <a:rect r="r" b="b" t="t" l="l"/>
+                <a:rect l="l" t="t" r="r" b="b"/>
                 <a:pathLst>
-                  <a:path h="513080" w="4152113">
+                  <a:path w="4152113" h="513080">
                     <a:moveTo>
                       <a:pt x="4152113" y="261620"/>
                     </a:moveTo>
@@ -6117,7 +6115,7 @@
         </p:grpSp>
         <p:grpSp>
           <p:nvGrpSpPr>
-            <p:cNvPr name="Group 63" id="63"/>
+            <p:cNvPr id="63" name="Group 63"/>
             <p:cNvGrpSpPr/>
             <p:nvPr/>
           </p:nvGrpSpPr>
@@ -6131,7 +6129,7 @@
           </p:grpSpPr>
           <p:sp>
             <p:nvSpPr>
-              <p:cNvPr name="Freeform 64" id="64"/>
+              <p:cNvPr id="64" name="Freeform 64"/>
               <p:cNvSpPr/>
               <p:nvPr/>
             </p:nvSpPr>
@@ -6145,9 +6143,9 @@
                 <a:gdLst/>
                 <a:ahLst/>
                 <a:cxnLst/>
-                <a:rect r="r" b="b" t="t" l="l"/>
+                <a:rect l="l" t="t" r="r" b="b"/>
                 <a:pathLst>
-                  <a:path h="76200" w="5261428">
+                  <a:path w="5261428" h="76200">
                     <a:moveTo>
                       <a:pt x="0" y="0"/>
                     </a:moveTo>
@@ -6171,7 +6169,7 @@
           </p:sp>
           <p:sp>
             <p:nvSpPr>
-              <p:cNvPr name="Freeform 65" id="65"/>
+              <p:cNvPr id="65" name="Freeform 65"/>
               <p:cNvSpPr/>
               <p:nvPr/>
             </p:nvSpPr>
@@ -6185,9 +6183,9 @@
                 <a:gdLst/>
                 <a:ahLst/>
                 <a:cxnLst/>
-                <a:rect r="r" b="b" t="t" l="l"/>
+                <a:rect l="l" t="t" r="r" b="b"/>
                 <a:pathLst>
-                  <a:path h="505460" w="374650">
+                  <a:path w="374650" h="505460">
                     <a:moveTo>
                       <a:pt x="0" y="505460"/>
                     </a:moveTo>
@@ -6209,21 +6207,21 @@
         </p:grpSp>
         <p:pic>
           <p:nvPicPr>
-            <p:cNvPr name="Picture 66" id="66"/>
+            <p:cNvPr id="66" name="Picture 66"/>
             <p:cNvPicPr>
-              <a:picLocks noChangeAspect="true"/>
+              <a:picLocks noChangeAspect="1"/>
             </p:cNvPicPr>
             <p:nvPr/>
           </p:nvPicPr>
           <p:blipFill>
             <a:blip r:embed="rId13"/>
-            <a:srcRect l="0" t="0" r="0" b="0"/>
+            <a:srcRect/>
             <a:stretch>
               <a:fillRect/>
             </a:stretch>
           </p:blipFill>
           <p:spPr>
-            <a:xfrm flipH="false" flipV="false" rot="0">
+            <a:xfrm>
               <a:off x="5783092" y="1277943"/>
               <a:ext cx="1681735" cy="1681735"/>
             </a:xfrm>
@@ -6234,12 +6232,12 @@
         </p:pic>
         <p:grpSp>
           <p:nvGrpSpPr>
-            <p:cNvPr name="Group 67" id="67"/>
+            <p:cNvPr id="67" name="Group 67"/>
             <p:cNvGrpSpPr/>
             <p:nvPr/>
           </p:nvGrpSpPr>
           <p:grpSpPr>
-            <a:xfrm rot="0">
+            <a:xfrm>
               <a:off x="3855233" y="2015099"/>
               <a:ext cx="1895210" cy="305214"/>
               <a:chOff x="0" y="0"/>
@@ -6248,7 +6246,7 @@
           </p:grpSpPr>
           <p:sp>
             <p:nvSpPr>
-              <p:cNvPr name="Freeform 68" id="68"/>
+              <p:cNvPr id="68" name="Freeform 68"/>
               <p:cNvSpPr/>
               <p:nvPr/>
             </p:nvSpPr>
@@ -6262,9 +6260,9 @@
                 <a:gdLst/>
                 <a:ahLst/>
                 <a:cxnLst/>
-                <a:rect r="r" b="b" t="t" l="l"/>
+                <a:rect l="l" t="t" r="r" b="b"/>
                 <a:pathLst>
-                  <a:path h="76200" w="2858487">
+                  <a:path w="2858487" h="76200">
                     <a:moveTo>
                       <a:pt x="0" y="0"/>
                     </a:moveTo>
@@ -6288,7 +6286,7 @@
           </p:sp>
           <p:sp>
             <p:nvSpPr>
-              <p:cNvPr name="Freeform 69" id="69"/>
+              <p:cNvPr id="69" name="Freeform 69"/>
               <p:cNvSpPr/>
               <p:nvPr/>
             </p:nvSpPr>
@@ -6302,9 +6300,9 @@
                 <a:gdLst/>
                 <a:ahLst/>
                 <a:cxnLst/>
-                <a:rect r="r" b="b" t="t" l="l"/>
+                <a:rect l="l" t="t" r="r" b="b"/>
                 <a:pathLst>
-                  <a:path h="505460" w="374650">
+                  <a:path w="374650" h="505460">
                     <a:moveTo>
                       <a:pt x="0" y="505460"/>
                     </a:moveTo>
@@ -6326,12 +6324,12 @@
         </p:grpSp>
         <p:sp>
           <p:nvSpPr>
-            <p:cNvPr name="TextBox 70" id="70"/>
-            <p:cNvSpPr txBox="true"/>
+            <p:cNvPr id="70" name="TextBox 70"/>
+            <p:cNvSpPr txBox="1"/>
             <p:nvPr/>
           </p:nvSpPr>
           <p:spPr>
-            <a:xfrm rot="0">
+            <a:xfrm>
               <a:off x="13982403" y="5919303"/>
               <a:ext cx="2208144" cy="1006744"/>
             </a:xfrm>
@@ -6340,7 +6338,7 @@
             </a:prstGeom>
           </p:spPr>
           <p:txBody>
-            <a:bodyPr anchor="t" rtlCol="false" tIns="0" lIns="0" bIns="0" rIns="0">
+            <a:bodyPr lIns="0" tIns="0" rIns="0" bIns="0" rtlCol="0" anchor="t">
               <a:spAutoFit/>
             </a:bodyPr>
             <a:lstStyle/>
@@ -6380,12 +6378,12 @@
         </p:sp>
         <p:sp>
           <p:nvSpPr>
-            <p:cNvPr name="TextBox 71" id="71"/>
-            <p:cNvSpPr txBox="true"/>
+            <p:cNvPr id="71" name="TextBox 71"/>
+            <p:cNvSpPr txBox="1"/>
             <p:nvPr/>
           </p:nvSpPr>
           <p:spPr>
-            <a:xfrm rot="0">
+            <a:xfrm>
               <a:off x="17797066" y="8965904"/>
               <a:ext cx="2915978" cy="1006744"/>
             </a:xfrm>
@@ -6394,7 +6392,7 @@
             </a:prstGeom>
           </p:spPr>
           <p:txBody>
-            <a:bodyPr anchor="t" rtlCol="false" tIns="0" lIns="0" bIns="0" rIns="0">
+            <a:bodyPr lIns="0" tIns="0" rIns="0" bIns="0" rtlCol="0" anchor="t">
               <a:spAutoFit/>
             </a:bodyPr>
             <a:lstStyle/>
@@ -6418,21 +6416,21 @@
         </p:sp>
         <p:pic>
           <p:nvPicPr>
-            <p:cNvPr name="Picture 72" id="72"/>
+            <p:cNvPr id="72" name="Picture 72"/>
             <p:cNvPicPr>
-              <a:picLocks noChangeAspect="true"/>
+              <a:picLocks noChangeAspect="1"/>
             </p:cNvPicPr>
             <p:nvPr/>
           </p:nvPicPr>
           <p:blipFill>
             <a:blip r:embed="rId13"/>
-            <a:srcRect l="0" t="0" r="0" b="0"/>
+            <a:srcRect/>
             <a:stretch>
               <a:fillRect/>
             </a:stretch>
           </p:blipFill>
           <p:spPr>
-            <a:xfrm flipH="false" flipV="false" rot="0">
+            <a:xfrm>
               <a:off x="6216349" y="7263730"/>
               <a:ext cx="1681735" cy="1681735"/>
             </a:xfrm>
@@ -6443,12 +6441,12 @@
         </p:pic>
         <p:sp>
           <p:nvSpPr>
-            <p:cNvPr name="TextBox 73" id="73"/>
-            <p:cNvSpPr txBox="true"/>
+            <p:cNvPr id="73" name="TextBox 73"/>
+            <p:cNvSpPr txBox="1"/>
             <p:nvPr/>
           </p:nvSpPr>
           <p:spPr>
-            <a:xfrm rot="0">
+            <a:xfrm>
               <a:off x="8215075" y="-28575"/>
               <a:ext cx="1810628" cy="353716"/>
             </a:xfrm>
@@ -6457,7 +6455,7 @@
             </a:prstGeom>
           </p:spPr>
           <p:txBody>
-            <a:bodyPr anchor="t" rtlCol="false" tIns="0" lIns="0" bIns="0" rIns="0">
+            <a:bodyPr lIns="0" tIns="0" rIns="0" bIns="0" rtlCol="0" anchor="t">
               <a:spAutoFit/>
             </a:bodyPr>
             <a:lstStyle/>
@@ -6481,12 +6479,12 @@
         </p:sp>
         <p:sp>
           <p:nvSpPr>
-            <p:cNvPr name="TextBox 74" id="74"/>
-            <p:cNvSpPr txBox="true"/>
+            <p:cNvPr id="74" name="TextBox 74"/>
+            <p:cNvSpPr txBox="1"/>
             <p:nvPr/>
           </p:nvSpPr>
           <p:spPr>
-            <a:xfrm rot="0">
+            <a:xfrm>
               <a:off x="9827955" y="8965904"/>
               <a:ext cx="2150464" cy="1006744"/>
             </a:xfrm>
@@ -6495,7 +6493,7 @@
             </a:prstGeom>
           </p:spPr>
           <p:txBody>
-            <a:bodyPr anchor="t" rtlCol="false" tIns="0" lIns="0" bIns="0" rIns="0">
+            <a:bodyPr lIns="0" tIns="0" rIns="0" bIns="0" rtlCol="0" anchor="t">
               <a:spAutoFit/>
             </a:bodyPr>
             <a:lstStyle/>
@@ -6519,12 +6517,12 @@
         </p:sp>
         <p:sp>
           <p:nvSpPr>
-            <p:cNvPr name="TextBox 75" id="75"/>
-            <p:cNvSpPr txBox="true"/>
+            <p:cNvPr id="75" name="TextBox 75"/>
+            <p:cNvSpPr txBox="1"/>
             <p:nvPr/>
           </p:nvSpPr>
           <p:spPr>
-            <a:xfrm rot="0">
+            <a:xfrm>
               <a:off x="1435774" y="785048"/>
               <a:ext cx="2236263" cy="375693"/>
             </a:xfrm>
@@ -6533,7 +6531,7 @@
             </a:prstGeom>
           </p:spPr>
           <p:txBody>
-            <a:bodyPr anchor="t" rtlCol="false" tIns="0" lIns="0" bIns="0" rIns="0">
+            <a:bodyPr lIns="0" tIns="0" rIns="0" bIns="0" rtlCol="0" anchor="t">
               <a:spAutoFit/>
             </a:bodyPr>
             <a:lstStyle/>
@@ -6557,12 +6555,12 @@
         </p:sp>
         <p:sp>
           <p:nvSpPr>
-            <p:cNvPr name="TextBox 76" id="76"/>
-            <p:cNvSpPr txBox="true"/>
+            <p:cNvPr id="76" name="TextBox 76"/>
+            <p:cNvSpPr txBox="1"/>
             <p:nvPr/>
           </p:nvSpPr>
           <p:spPr>
-            <a:xfrm rot="0">
+            <a:xfrm>
               <a:off x="10127298" y="-28575"/>
               <a:ext cx="1472820" cy="353716"/>
             </a:xfrm>
@@ -6571,7 +6569,7 @@
             </a:prstGeom>
           </p:spPr>
           <p:txBody>
-            <a:bodyPr anchor="t" rtlCol="false" tIns="0" lIns="0" bIns="0" rIns="0">
+            <a:bodyPr lIns="0" tIns="0" rIns="0" bIns="0" rtlCol="0" anchor="t">
               <a:spAutoFit/>
             </a:bodyPr>
             <a:lstStyle/>
@@ -6595,12 +6593,12 @@
         </p:sp>
         <p:sp>
           <p:nvSpPr>
-            <p:cNvPr name="TextBox 77" id="77"/>
-            <p:cNvSpPr txBox="true"/>
+            <p:cNvPr id="77" name="TextBox 77"/>
+            <p:cNvSpPr txBox="1"/>
             <p:nvPr/>
           </p:nvSpPr>
           <p:spPr>
-            <a:xfrm rot="0">
+            <a:xfrm>
               <a:off x="11769834" y="-17689"/>
               <a:ext cx="1544066" cy="353716"/>
             </a:xfrm>
@@ -6609,7 +6607,7 @@
             </a:prstGeom>
           </p:spPr>
           <p:txBody>
-            <a:bodyPr anchor="t" rtlCol="false" tIns="0" lIns="0" bIns="0" rIns="0">
+            <a:bodyPr lIns="0" tIns="0" rIns="0" bIns="0" rtlCol="0" anchor="t">
               <a:spAutoFit/>
             </a:bodyPr>
             <a:lstStyle/>
@@ -6633,12 +6631,12 @@
         </p:sp>
         <p:sp>
           <p:nvSpPr>
-            <p:cNvPr name="TextBox 78" id="78"/>
-            <p:cNvSpPr txBox="true"/>
+            <p:cNvPr id="78" name="TextBox 78"/>
+            <p:cNvSpPr txBox="1"/>
             <p:nvPr/>
           </p:nvSpPr>
           <p:spPr>
-            <a:xfrm rot="0">
+            <a:xfrm>
               <a:off x="10635322" y="492340"/>
               <a:ext cx="258330" cy="638544"/>
             </a:xfrm>
@@ -6647,7 +6645,7 @@
             </a:prstGeom>
           </p:spPr>
           <p:txBody>
-            <a:bodyPr anchor="t" rtlCol="false" tIns="0" lIns="0" bIns="0" rIns="0">
+            <a:bodyPr lIns="0" tIns="0" rIns="0" bIns="0" rtlCol="0" anchor="t">
               <a:spAutoFit/>
             </a:bodyPr>
             <a:lstStyle/>
@@ -6671,12 +6669,12 @@
         </p:sp>
         <p:sp>
           <p:nvSpPr>
-            <p:cNvPr name="TextBox 79" id="79"/>
-            <p:cNvSpPr txBox="true"/>
+            <p:cNvPr id="79" name="TextBox 79"/>
+            <p:cNvSpPr txBox="1"/>
             <p:nvPr/>
           </p:nvSpPr>
           <p:spPr>
-            <a:xfrm rot="0">
+            <a:xfrm>
               <a:off x="12292294" y="481454"/>
               <a:ext cx="258330" cy="638544"/>
             </a:xfrm>
@@ -6685,7 +6683,7 @@
             </a:prstGeom>
           </p:spPr>
           <p:txBody>
-            <a:bodyPr anchor="t" rtlCol="false" tIns="0" lIns="0" bIns="0" rIns="0">
+            <a:bodyPr lIns="0" tIns="0" rIns="0" bIns="0" rtlCol="0" anchor="t">
               <a:spAutoFit/>
             </a:bodyPr>
             <a:lstStyle/>
@@ -6709,12 +6707,12 @@
         </p:sp>
         <p:sp>
           <p:nvSpPr>
-            <p:cNvPr name="TextBox 80" id="80"/>
-            <p:cNvSpPr txBox="true"/>
+            <p:cNvPr id="80" name="TextBox 80"/>
+            <p:cNvSpPr txBox="1"/>
             <p:nvPr/>
           </p:nvSpPr>
           <p:spPr>
-            <a:xfrm rot="0">
+            <a:xfrm>
               <a:off x="17762176" y="785048"/>
               <a:ext cx="3411278" cy="485166"/>
             </a:xfrm>
@@ -6723,7 +6721,7 @@
             </a:prstGeom>
           </p:spPr>
           <p:txBody>
-            <a:bodyPr anchor="t" rtlCol="false" tIns="0" lIns="0" bIns="0" rIns="0">
+            <a:bodyPr lIns="0" tIns="0" rIns="0" bIns="0" rtlCol="0" anchor="t">
               <a:spAutoFit/>
             </a:bodyPr>
             <a:lstStyle/>
@@ -6747,12 +6745,12 @@
         </p:sp>
         <p:sp>
           <p:nvSpPr>
-            <p:cNvPr name="TextBox 81" id="81"/>
-            <p:cNvSpPr txBox="true"/>
+            <p:cNvPr id="81" name="TextBox 81"/>
+            <p:cNvSpPr txBox="1"/>
             <p:nvPr/>
           </p:nvSpPr>
           <p:spPr>
-            <a:xfrm rot="0">
+            <a:xfrm>
               <a:off x="4802838" y="372352"/>
               <a:ext cx="2701532" cy="367623"/>
             </a:xfrm>
@@ -6761,7 +6759,7 @@
             </a:prstGeom>
           </p:spPr>
           <p:txBody>
-            <a:bodyPr anchor="t" rtlCol="false" tIns="0" lIns="0" bIns="0" rIns="0">
+            <a:bodyPr lIns="0" tIns="0" rIns="0" bIns="0" rtlCol="0" anchor="t">
               <a:spAutoFit/>
             </a:bodyPr>
             <a:lstStyle/>
@@ -6785,7 +6783,7 @@
         </p:sp>
         <p:grpSp>
           <p:nvGrpSpPr>
-            <p:cNvPr name="Group 82" id="82"/>
+            <p:cNvPr id="82" name="Group 82"/>
             <p:cNvGrpSpPr/>
             <p:nvPr/>
           </p:nvGrpSpPr>
@@ -6799,7 +6797,7 @@
           </p:grpSpPr>
           <p:sp>
             <p:nvSpPr>
-              <p:cNvPr name="Freeform 83" id="83"/>
+              <p:cNvPr id="83" name="Freeform 83"/>
               <p:cNvSpPr/>
               <p:nvPr/>
             </p:nvSpPr>
@@ -6813,9 +6811,9 @@
                 <a:gdLst/>
                 <a:ahLst/>
                 <a:cxnLst/>
-                <a:rect r="r" b="b" t="t" l="l"/>
+                <a:rect l="l" t="t" r="r" b="b"/>
                 <a:pathLst>
-                  <a:path h="76200" w="4501571">
+                  <a:path w="4501571" h="76200">
                     <a:moveTo>
                       <a:pt x="0" y="0"/>
                     </a:moveTo>
@@ -6839,7 +6837,7 @@
           </p:sp>
           <p:sp>
             <p:nvSpPr>
-              <p:cNvPr name="Freeform 84" id="84"/>
+              <p:cNvPr id="84" name="Freeform 84"/>
               <p:cNvSpPr/>
               <p:nvPr/>
             </p:nvSpPr>
@@ -6853,9 +6851,9 @@
                 <a:gdLst/>
                 <a:ahLst/>
                 <a:cxnLst/>
-                <a:rect r="r" b="b" t="t" l="l"/>
+                <a:rect l="l" t="t" r="r" b="b"/>
                 <a:pathLst>
-                  <a:path h="505460" w="374650">
+                  <a:path w="374650" h="505460">
                     <a:moveTo>
                       <a:pt x="0" y="505460"/>
                     </a:moveTo>
@@ -6877,12 +6875,12 @@
         </p:grpSp>
         <p:sp>
           <p:nvSpPr>
-            <p:cNvPr name="TextBox 85" id="85"/>
-            <p:cNvSpPr txBox="true"/>
+            <p:cNvPr id="85" name="TextBox 85"/>
+            <p:cNvSpPr txBox="1"/>
             <p:nvPr/>
           </p:nvSpPr>
           <p:spPr>
-            <a:xfrm rot="0">
+            <a:xfrm>
               <a:off x="5928022" y="9120704"/>
               <a:ext cx="2701532" cy="753703"/>
             </a:xfrm>
@@ -6891,7 +6889,7 @@
             </a:prstGeom>
           </p:spPr>
           <p:txBody>
-            <a:bodyPr anchor="t" rtlCol="false" tIns="0" lIns="0" bIns="0" rIns="0">
+            <a:bodyPr lIns="0" tIns="0" rIns="0" bIns="0" rtlCol="0" anchor="t">
               <a:spAutoFit/>
             </a:bodyPr>
             <a:lstStyle/>
@@ -6923,7 +6921,7 @@
 </file>
 
 <file path=ppt/slides/slide4.xml><?xml version="1.0" encoding="utf-8"?>
-<p:sld xmlns:p="http://schemas.openxmlformats.org/presentationml/2006/main" xmlns:a="http://schemas.openxmlformats.org/drawingml/2006/main">
+<p:sld xmlns:a="http://schemas.openxmlformats.org/drawingml/2006/main" xmlns:r="http://schemas.openxmlformats.org/officeDocument/2006/relationships" xmlns:p="http://schemas.openxmlformats.org/presentationml/2006/main">
   <p:cSld>
     <p:spTree>
       <p:nvGrpSpPr>
@@ -6941,12 +6939,12 @@
       </p:grpSpPr>
       <p:sp>
         <p:nvSpPr>
-          <p:cNvPr name="TextBox 2" id="2"/>
-          <p:cNvSpPr txBox="true"/>
+          <p:cNvPr id="2" name="TextBox 2"/>
+          <p:cNvSpPr txBox="1"/>
           <p:nvPr/>
         </p:nvSpPr>
         <p:spPr>
-          <a:xfrm rot="0">
+          <a:xfrm>
             <a:off x="1028700" y="952500"/>
             <a:ext cx="9092718" cy="1112417"/>
           </a:xfrm>
@@ -6955,7 +6953,7 @@
           </a:prstGeom>
         </p:spPr>
         <p:txBody>
-          <a:bodyPr anchor="t" rtlCol="false" tIns="0" lIns="0" bIns="0" rIns="0">
+          <a:bodyPr lIns="0" tIns="0" rIns="0" bIns="0" rtlCol="0" anchor="t">
             <a:spAutoFit/>
           </a:bodyPr>
           <a:lstStyle/>
@@ -6979,12 +6977,12 @@
       </p:sp>
       <p:sp>
         <p:nvSpPr>
-          <p:cNvPr name="TextBox 3" id="3"/>
-          <p:cNvSpPr txBox="true"/>
+          <p:cNvPr id="3" name="TextBox 3"/>
+          <p:cNvSpPr txBox="1"/>
           <p:nvPr/>
         </p:nvSpPr>
         <p:spPr>
-          <a:xfrm rot="0">
+          <a:xfrm>
             <a:off x="1028700" y="3375815"/>
             <a:ext cx="16230600" cy="3002693"/>
           </a:xfrm>
@@ -6993,12 +6991,12 @@
           </a:prstGeom>
         </p:spPr>
         <p:txBody>
-          <a:bodyPr anchor="t" rtlCol="false" tIns="0" lIns="0" bIns="0" rIns="0">
+          <a:bodyPr lIns="0" tIns="0" rIns="0" bIns="0" rtlCol="0" anchor="t">
             <a:spAutoFit/>
           </a:bodyPr>
           <a:lstStyle/>
           <a:p>
-            <a:pPr marL="561340" indent="-280670" lvl="1">
+            <a:pPr marL="561340" lvl="1" indent="-280670">
               <a:lnSpc>
                 <a:spcPts val="4759"/>
               </a:lnSpc>
@@ -7021,9 +7019,15 @@
                 <a:spcPts val="4759"/>
               </a:lnSpc>
             </a:pPr>
-          </a:p>
-          <a:p>
-            <a:pPr marL="561340" indent="-280670" lvl="1">
+            <a:endParaRPr lang="en-US" sz="3400">
+              <a:solidFill>
+                <a:srgbClr val="171717"/>
+              </a:solidFill>
+              <a:latin typeface="Open Sans"/>
+            </a:endParaRPr>
+          </a:p>
+          <a:p>
+            <a:pPr marL="561340" lvl="1" indent="-280670">
               <a:lnSpc>
                 <a:spcPts val="4759"/>
               </a:lnSpc>
@@ -7044,12 +7048,12 @@
       </p:sp>
       <p:sp>
         <p:nvSpPr>
-          <p:cNvPr name="AutoShape 4" id="4"/>
+          <p:cNvPr id="4" name="AutoShape 4"/>
           <p:cNvSpPr/>
           <p:nvPr/>
         </p:nvSpPr>
         <p:spPr>
-          <a:xfrm rot="0">
+          <a:xfrm>
             <a:off x="1028700" y="2263469"/>
             <a:ext cx="4025059" cy="130665"/>
           </a:xfrm>
@@ -7070,7 +7074,7 @@
 </file>
 
 <file path=ppt/slides/slide5.xml><?xml version="1.0" encoding="utf-8"?>
-<p:sld xmlns:p="http://schemas.openxmlformats.org/presentationml/2006/main" xmlns:a="http://schemas.openxmlformats.org/drawingml/2006/main">
+<p:sld xmlns:a="http://schemas.openxmlformats.org/drawingml/2006/main" xmlns:r="http://schemas.openxmlformats.org/officeDocument/2006/relationships" xmlns:p="http://schemas.openxmlformats.org/presentationml/2006/main">
   <p:cSld>
     <p:spTree>
       <p:nvGrpSpPr>
@@ -7088,12 +7092,12 @@
       </p:grpSpPr>
       <p:sp>
         <p:nvSpPr>
-          <p:cNvPr name="TextBox 2" id="2"/>
-          <p:cNvSpPr txBox="true"/>
+          <p:cNvPr id="2" name="TextBox 2"/>
+          <p:cNvSpPr txBox="1"/>
           <p:nvPr/>
         </p:nvSpPr>
         <p:spPr>
-          <a:xfrm rot="0">
+          <a:xfrm>
             <a:off x="1028700" y="952500"/>
             <a:ext cx="12864618" cy="1112417"/>
           </a:xfrm>
@@ -7102,7 +7106,7 @@
           </a:prstGeom>
         </p:spPr>
         <p:txBody>
-          <a:bodyPr anchor="t" rtlCol="false" tIns="0" lIns="0" bIns="0" rIns="0">
+          <a:bodyPr lIns="0" tIns="0" rIns="0" bIns="0" rtlCol="0" anchor="t">
             <a:spAutoFit/>
           </a:bodyPr>
           <a:lstStyle/>
@@ -7126,26 +7130,26 @@
       </p:sp>
       <p:sp>
         <p:nvSpPr>
-          <p:cNvPr name="TextBox 3" id="3"/>
-          <p:cNvSpPr txBox="true"/>
+          <p:cNvPr id="3" name="TextBox 3"/>
+          <p:cNvSpPr txBox="1"/>
           <p:nvPr/>
         </p:nvSpPr>
         <p:spPr>
-          <a:xfrm rot="0">
+          <a:xfrm>
             <a:off x="1028700" y="3306578"/>
-            <a:ext cx="16230600" cy="1769943"/>
+            <a:ext cx="16230600" cy="2420856"/>
           </a:xfrm>
           <a:prstGeom prst="rect">
             <a:avLst/>
           </a:prstGeom>
         </p:spPr>
         <p:txBody>
-          <a:bodyPr anchor="t" rtlCol="false" tIns="0" lIns="0" bIns="0" rIns="0">
+          <a:bodyPr lIns="0" tIns="0" rIns="0" bIns="0" rtlCol="0" anchor="t">
             <a:spAutoFit/>
           </a:bodyPr>
           <a:lstStyle/>
           <a:p>
-            <a:pPr marL="734060" indent="-367030" lvl="1">
+            <a:pPr marL="734060" lvl="1" indent="-367030">
               <a:lnSpc>
                 <a:spcPts val="4760"/>
               </a:lnSpc>
@@ -7153,7 +7157,7 @@
               <a:buChar char="•"/>
             </a:pPr>
             <a:r>
-              <a:rPr lang="en-US" sz="3400">
+              <a:rPr lang="en-US" sz="3400" dirty="0">
                 <a:solidFill>
                   <a:srgbClr val="171717"/>
                 </a:solidFill>
@@ -7163,7 +7167,20 @@
             </a:r>
           </a:p>
           <a:p>
-            <a:pPr marL="734060" indent="-367030" lvl="1">
+            <a:pPr marL="367030" lvl="1">
+              <a:lnSpc>
+                <a:spcPts val="4760"/>
+              </a:lnSpc>
+            </a:pPr>
+            <a:endParaRPr lang="en-US" sz="3400" dirty="0">
+              <a:solidFill>
+                <a:srgbClr val="171717"/>
+              </a:solidFill>
+              <a:latin typeface="Open Sans"/>
+            </a:endParaRPr>
+          </a:p>
+          <a:p>
+            <a:pPr marL="734060" lvl="1" indent="-367030">
               <a:lnSpc>
                 <a:spcPts val="4760"/>
               </a:lnSpc>
@@ -7171,7 +7188,7 @@
               <a:buChar char="•"/>
             </a:pPr>
             <a:r>
-              <a:rPr lang="en-US" sz="3400">
+              <a:rPr lang="en-US" sz="3400" dirty="0">
                 <a:solidFill>
                   <a:srgbClr val="171717"/>
                 </a:solidFill>
@@ -7180,7 +7197,7 @@
               <a:t>Implementing</a:t>
             </a:r>
             <a:r>
-              <a:rPr lang="en-US" sz="3400">
+              <a:rPr lang="en-US" sz="3400" dirty="0">
                 <a:solidFill>
                   <a:srgbClr val="000000"/>
                 </a:solidFill>
@@ -7195,17 +7212,23 @@
                 <a:spcPts val="4759"/>
               </a:lnSpc>
             </a:pPr>
-          </a:p>
-        </p:txBody>
-      </p:sp>
-      <p:sp>
-        <p:nvSpPr>
-          <p:cNvPr name="AutoShape 4" id="4"/>
+            <a:endParaRPr lang="en-US" sz="3400" dirty="0">
+              <a:solidFill>
+                <a:srgbClr val="000000"/>
+              </a:solidFill>
+              <a:latin typeface="Open Sans"/>
+            </a:endParaRPr>
+          </a:p>
+        </p:txBody>
+      </p:sp>
+      <p:sp>
+        <p:nvSpPr>
+          <p:cNvPr id="4" name="AutoShape 4"/>
           <p:cNvSpPr/>
           <p:nvPr/>
         </p:nvSpPr>
         <p:spPr>
-          <a:xfrm rot="0">
+          <a:xfrm>
             <a:off x="1028700" y="2263469"/>
             <a:ext cx="4025059" cy="130665"/>
           </a:xfrm>
@@ -7226,7 +7249,7 @@
 </file>
 
 <file path=ppt/slides/slide6.xml><?xml version="1.0" encoding="utf-8"?>
-<p:sld xmlns:p="http://schemas.openxmlformats.org/presentationml/2006/main" xmlns:a="http://schemas.openxmlformats.org/drawingml/2006/main" xmlns:r="http://schemas.openxmlformats.org/officeDocument/2006/relationships">
+<p:sld xmlns:a="http://schemas.openxmlformats.org/drawingml/2006/main" xmlns:r="http://schemas.openxmlformats.org/officeDocument/2006/relationships" xmlns:p="http://schemas.openxmlformats.org/presentationml/2006/main">
   <p:cSld>
     <p:spTree>
       <p:nvGrpSpPr>
@@ -7242,368 +7265,14 @@
           <a:chExt cx="0" cy="0"/>
         </a:xfrm>
       </p:grpSpPr>
-      <p:pic>
-        <p:nvPicPr>
-          <p:cNvPr name="Picture 2" id="2"/>
-          <p:cNvPicPr>
-            <a:picLocks noChangeAspect="true"/>
-          </p:cNvPicPr>
+      <p:sp>
+        <p:nvSpPr>
+          <p:cNvPr id="11" name="TextBox 11"/>
+          <p:cNvSpPr txBox="1"/>
           <p:nvPr/>
-        </p:nvPicPr>
-        <p:blipFill>
-          <a:blip r:embed="rId2">
-            <a:alphaModFix amt="15000"/>
-          </a:blip>
-          <a:srcRect l="0" t="0" r="0" b="0"/>
-          <a:stretch>
-            <a:fillRect/>
-          </a:stretch>
-        </p:blipFill>
+        </p:nvSpPr>
         <p:spPr>
-          <a:xfrm flipH="false" flipV="false" rot="-10464449">
-            <a:off x="2960311" y="1218677"/>
-            <a:ext cx="2217525" cy="2298429"/>
-          </a:xfrm>
-          <a:prstGeom prst="rect">
-            <a:avLst/>
-          </a:prstGeom>
-        </p:spPr>
-      </p:pic>
-      <p:grpSp>
-        <p:nvGrpSpPr>
-          <p:cNvPr name="Group 3" id="3"/>
-          <p:cNvGrpSpPr>
-            <a:grpSpLocks noChangeAspect="true"/>
-          </p:cNvGrpSpPr>
-          <p:nvPr/>
-        </p:nvGrpSpPr>
-        <p:grpSpPr>
-          <a:xfrm rot="0">
-            <a:off x="3045022" y="1218677"/>
-            <a:ext cx="2048103" cy="1971317"/>
-            <a:chOff x="30480" y="591820"/>
-            <a:chExt cx="12736830" cy="12259310"/>
-          </a:xfrm>
-        </p:grpSpPr>
-        <p:sp>
-          <p:nvSpPr>
-            <p:cNvPr name="Freeform 4" id="4"/>
-            <p:cNvSpPr/>
-            <p:nvPr/>
-          </p:nvSpPr>
-          <p:spPr>
-            <a:xfrm>
-              <a:off x="30480" y="591820"/>
-              <a:ext cx="12736830" cy="12259310"/>
-            </a:xfrm>
-            <a:custGeom>
-              <a:avLst/>
-              <a:gdLst/>
-              <a:ahLst/>
-              <a:cxnLst/>
-              <a:rect r="r" b="b" t="t" l="l"/>
-              <a:pathLst>
-                <a:path h="12259310" w="12736830">
-                  <a:moveTo>
-                    <a:pt x="11925300" y="4271010"/>
-                  </a:moveTo>
-                  <a:cubicBezTo>
-                    <a:pt x="10819131" y="2120900"/>
-                    <a:pt x="8590281" y="544830"/>
-                    <a:pt x="6215380" y="297180"/>
-                  </a:cubicBezTo>
-                  <a:cubicBezTo>
-                    <a:pt x="4277360" y="0"/>
-                    <a:pt x="3002280" y="913130"/>
-                    <a:pt x="1960880" y="2170430"/>
-                  </a:cubicBezTo>
-                  <a:cubicBezTo>
-                    <a:pt x="919480" y="3427730"/>
-                    <a:pt x="365760" y="5030470"/>
-                    <a:pt x="142240" y="6647180"/>
-                  </a:cubicBezTo>
-                  <a:cubicBezTo>
-                    <a:pt x="24130" y="7500620"/>
-                    <a:pt x="0" y="8406130"/>
-                    <a:pt x="361950" y="9188450"/>
-                  </a:cubicBezTo>
-                  <a:cubicBezTo>
-                    <a:pt x="820420" y="10180319"/>
-                    <a:pt x="1822450" y="10811510"/>
-                    <a:pt x="2842260" y="11203940"/>
-                  </a:cubicBezTo>
-                  <a:cubicBezTo>
-                    <a:pt x="5585460" y="12259310"/>
-                    <a:pt x="8953500" y="11850370"/>
-                    <a:pt x="11088370" y="9828530"/>
-                  </a:cubicBezTo>
-                  <a:cubicBezTo>
-                    <a:pt x="11756390" y="9196070"/>
-                    <a:pt x="12303760" y="8403590"/>
-                    <a:pt x="12499340" y="7504430"/>
-                  </a:cubicBezTo>
-                  <a:cubicBezTo>
-                    <a:pt x="12736830" y="6413500"/>
-                    <a:pt x="12435840" y="5264150"/>
-                    <a:pt x="11925300" y="4271010"/>
-                  </a:cubicBezTo>
-                  <a:close/>
-                </a:path>
-              </a:pathLst>
-            </a:custGeom>
-            <a:blipFill>
-              <a:blip r:embed="rId3"/>
-              <a:stretch>
-                <a:fillRect l="504" r="1216" t="1963" b="-4198"/>
-              </a:stretch>
-            </a:blipFill>
-          </p:spPr>
-        </p:sp>
-      </p:grpSp>
-      <p:pic>
-        <p:nvPicPr>
-          <p:cNvPr name="Picture 5" id="5"/>
-          <p:cNvPicPr>
-            <a:picLocks noChangeAspect="true"/>
-          </p:cNvPicPr>
-          <p:nvPr/>
-        </p:nvPicPr>
-        <p:blipFill>
-          <a:blip r:embed="rId2">
-            <a:alphaModFix amt="15000"/>
-          </a:blip>
-          <a:srcRect l="0" t="0" r="0" b="0"/>
-          <a:stretch>
-            <a:fillRect/>
-          </a:stretch>
-        </p:blipFill>
-        <p:spPr>
-          <a:xfrm flipH="false" flipV="false" rot="-10464449">
-            <a:off x="12839101" y="1131282"/>
-            <a:ext cx="2217525" cy="2298429"/>
-          </a:xfrm>
-          <a:prstGeom prst="rect">
-            <a:avLst/>
-          </a:prstGeom>
-        </p:spPr>
-      </p:pic>
-      <p:grpSp>
-        <p:nvGrpSpPr>
-          <p:cNvPr name="Group 6" id="6"/>
-          <p:cNvGrpSpPr>
-            <a:grpSpLocks noChangeAspect="true"/>
-          </p:cNvGrpSpPr>
-          <p:nvPr/>
-        </p:nvGrpSpPr>
-        <p:grpSpPr>
-          <a:xfrm rot="0">
-            <a:off x="12923812" y="1131282"/>
-            <a:ext cx="2048103" cy="1971317"/>
-            <a:chOff x="30480" y="591820"/>
-            <a:chExt cx="12736830" cy="12259310"/>
-          </a:xfrm>
-        </p:grpSpPr>
-        <p:sp>
-          <p:nvSpPr>
-            <p:cNvPr name="Freeform 7" id="7"/>
-            <p:cNvSpPr/>
-            <p:nvPr/>
-          </p:nvSpPr>
-          <p:spPr>
-            <a:xfrm>
-              <a:off x="30480" y="591820"/>
-              <a:ext cx="12736830" cy="12259310"/>
-            </a:xfrm>
-            <a:custGeom>
-              <a:avLst/>
-              <a:gdLst/>
-              <a:ahLst/>
-              <a:cxnLst/>
-              <a:rect r="r" b="b" t="t" l="l"/>
-              <a:pathLst>
-                <a:path h="12259310" w="12736830">
-                  <a:moveTo>
-                    <a:pt x="11925300" y="4271010"/>
-                  </a:moveTo>
-                  <a:cubicBezTo>
-                    <a:pt x="10819131" y="2120900"/>
-                    <a:pt x="8590281" y="544830"/>
-                    <a:pt x="6215380" y="297180"/>
-                  </a:cubicBezTo>
-                  <a:cubicBezTo>
-                    <a:pt x="4277360" y="0"/>
-                    <a:pt x="3002280" y="913130"/>
-                    <a:pt x="1960880" y="2170430"/>
-                  </a:cubicBezTo>
-                  <a:cubicBezTo>
-                    <a:pt x="919480" y="3427730"/>
-                    <a:pt x="365760" y="5030470"/>
-                    <a:pt x="142240" y="6647180"/>
-                  </a:cubicBezTo>
-                  <a:cubicBezTo>
-                    <a:pt x="24130" y="7500620"/>
-                    <a:pt x="0" y="8406130"/>
-                    <a:pt x="361950" y="9188450"/>
-                  </a:cubicBezTo>
-                  <a:cubicBezTo>
-                    <a:pt x="820420" y="10180319"/>
-                    <a:pt x="1822450" y="10811510"/>
-                    <a:pt x="2842260" y="11203940"/>
-                  </a:cubicBezTo>
-                  <a:cubicBezTo>
-                    <a:pt x="5585460" y="12259310"/>
-                    <a:pt x="8953500" y="11850370"/>
-                    <a:pt x="11088370" y="9828530"/>
-                  </a:cubicBezTo>
-                  <a:cubicBezTo>
-                    <a:pt x="11756390" y="9196070"/>
-                    <a:pt x="12303760" y="8403590"/>
-                    <a:pt x="12499340" y="7504430"/>
-                  </a:cubicBezTo>
-                  <a:cubicBezTo>
-                    <a:pt x="12736830" y="6413500"/>
-                    <a:pt x="12435840" y="5264150"/>
-                    <a:pt x="11925300" y="4271010"/>
-                  </a:cubicBezTo>
-                  <a:close/>
-                </a:path>
-              </a:pathLst>
-            </a:custGeom>
-            <a:blipFill>
-              <a:blip r:embed="rId4"/>
-              <a:stretch>
-                <a:fillRect l="504" r="1216" t="1963" b="-105987"/>
-              </a:stretch>
-            </a:blipFill>
-          </p:spPr>
-        </p:sp>
-      </p:grpSp>
-      <p:pic>
-        <p:nvPicPr>
-          <p:cNvPr name="Picture 8" id="8"/>
-          <p:cNvPicPr>
-            <a:picLocks noChangeAspect="true"/>
-          </p:cNvPicPr>
-          <p:nvPr/>
-        </p:nvPicPr>
-        <p:blipFill>
-          <a:blip r:embed="rId2">
-            <a:alphaModFix amt="15000"/>
-          </a:blip>
-          <a:srcRect l="0" t="0" r="0" b="0"/>
-          <a:stretch>
-            <a:fillRect/>
-          </a:stretch>
-        </p:blipFill>
-        <p:spPr>
-          <a:xfrm flipH="false" flipV="false" rot="-10464449">
-            <a:off x="7899706" y="1131282"/>
-            <a:ext cx="2217525" cy="2298429"/>
-          </a:xfrm>
-          <a:prstGeom prst="rect">
-            <a:avLst/>
-          </a:prstGeom>
-        </p:spPr>
-      </p:pic>
-      <p:grpSp>
-        <p:nvGrpSpPr>
-          <p:cNvPr name="Group 9" id="9"/>
-          <p:cNvGrpSpPr>
-            <a:grpSpLocks noChangeAspect="true"/>
-          </p:cNvGrpSpPr>
-          <p:nvPr/>
-        </p:nvGrpSpPr>
-        <p:grpSpPr>
-          <a:xfrm rot="0">
-            <a:off x="7984417" y="1131282"/>
-            <a:ext cx="2048103" cy="1971317"/>
-            <a:chOff x="30480" y="591820"/>
-            <a:chExt cx="12736830" cy="12259310"/>
-          </a:xfrm>
-        </p:grpSpPr>
-        <p:sp>
-          <p:nvSpPr>
-            <p:cNvPr name="Freeform 10" id="10"/>
-            <p:cNvSpPr/>
-            <p:nvPr/>
-          </p:nvSpPr>
-          <p:spPr>
-            <a:xfrm>
-              <a:off x="30480" y="591820"/>
-              <a:ext cx="12736830" cy="12259310"/>
-            </a:xfrm>
-            <a:custGeom>
-              <a:avLst/>
-              <a:gdLst/>
-              <a:ahLst/>
-              <a:cxnLst/>
-              <a:rect r="r" b="b" t="t" l="l"/>
-              <a:pathLst>
-                <a:path h="12259310" w="12736830">
-                  <a:moveTo>
-                    <a:pt x="11925300" y="4271010"/>
-                  </a:moveTo>
-                  <a:cubicBezTo>
-                    <a:pt x="10819131" y="2120900"/>
-                    <a:pt x="8590281" y="544830"/>
-                    <a:pt x="6215380" y="297180"/>
-                  </a:cubicBezTo>
-                  <a:cubicBezTo>
-                    <a:pt x="4277360" y="0"/>
-                    <a:pt x="3002280" y="913130"/>
-                    <a:pt x="1960880" y="2170430"/>
-                  </a:cubicBezTo>
-                  <a:cubicBezTo>
-                    <a:pt x="919480" y="3427730"/>
-                    <a:pt x="365760" y="5030470"/>
-                    <a:pt x="142240" y="6647180"/>
-                  </a:cubicBezTo>
-                  <a:cubicBezTo>
-                    <a:pt x="24130" y="7500620"/>
-                    <a:pt x="0" y="8406130"/>
-                    <a:pt x="361950" y="9188450"/>
-                  </a:cubicBezTo>
-                  <a:cubicBezTo>
-                    <a:pt x="820420" y="10180319"/>
-                    <a:pt x="1822450" y="10811510"/>
-                    <a:pt x="2842260" y="11203940"/>
-                  </a:cubicBezTo>
-                  <a:cubicBezTo>
-                    <a:pt x="5585460" y="12259310"/>
-                    <a:pt x="8953500" y="11850370"/>
-                    <a:pt x="11088370" y="9828530"/>
-                  </a:cubicBezTo>
-                  <a:cubicBezTo>
-                    <a:pt x="11756390" y="9196070"/>
-                    <a:pt x="12303760" y="8403590"/>
-                    <a:pt x="12499340" y="7504430"/>
-                  </a:cubicBezTo>
-                  <a:cubicBezTo>
-                    <a:pt x="12736830" y="6413500"/>
-                    <a:pt x="12435840" y="5264150"/>
-                    <a:pt x="11925300" y="4271010"/>
-                  </a:cubicBezTo>
-                  <a:close/>
-                </a:path>
-              </a:pathLst>
-            </a:custGeom>
-            <a:blipFill>
-              <a:blip r:embed="rId5"/>
-              <a:stretch>
-                <a:fillRect l="504" r="1216" t="-19246" b="-17199"/>
-              </a:stretch>
-            </a:blipFill>
-          </p:spPr>
-        </p:sp>
-      </p:grpSp>
-      <p:sp>
-        <p:nvSpPr>
-          <p:cNvPr name="TextBox 11" id="11"/>
-          <p:cNvSpPr txBox="true"/>
-          <p:nvPr/>
-        </p:nvSpPr>
-        <p:spPr>
-          <a:xfrm rot="0">
+          <a:xfrm>
             <a:off x="9717952" y="6882683"/>
             <a:ext cx="7541348" cy="1643911"/>
           </a:xfrm>
@@ -7612,7 +7281,7 @@
           </a:prstGeom>
         </p:spPr>
         <p:txBody>
-          <a:bodyPr anchor="t" rtlCol="false" tIns="0" lIns="0" bIns="0" rIns="0">
+          <a:bodyPr lIns="0" tIns="0" rIns="0" bIns="0" rtlCol="0" anchor="t">
             <a:spAutoFit/>
           </a:bodyPr>
           <a:lstStyle/>
@@ -7636,12 +7305,12 @@
       </p:sp>
       <p:sp>
         <p:nvSpPr>
-          <p:cNvPr name="TextBox 12" id="12"/>
-          <p:cNvSpPr txBox="true"/>
+          <p:cNvPr id="12" name="TextBox 12"/>
+          <p:cNvSpPr txBox="1"/>
           <p:nvPr/>
         </p:nvSpPr>
         <p:spPr>
-          <a:xfrm rot="0">
+          <a:xfrm>
             <a:off x="1028700" y="7073183"/>
             <a:ext cx="7120134" cy="2185117"/>
           </a:xfrm>
@@ -7650,7 +7319,7 @@
           </a:prstGeom>
         </p:spPr>
         <p:txBody>
-          <a:bodyPr anchor="t" rtlCol="false" tIns="0" lIns="0" bIns="0" rIns="0">
+          <a:bodyPr lIns="0" tIns="0" rIns="0" bIns="0" rtlCol="0" anchor="t">
             <a:spAutoFit/>
           </a:bodyPr>
           <a:lstStyle/>
@@ -7661,7 +7330,7 @@
               </a:lnSpc>
             </a:pPr>
             <a:r>
-              <a:rPr lang="en-US" sz="4800">
+              <a:rPr lang="en-US" sz="4800" dirty="0">
                 <a:solidFill>
                   <a:srgbClr val="004AAD"/>
                 </a:solidFill>
@@ -7674,21 +7343,21 @@
       </p:sp>
       <p:sp>
         <p:nvSpPr>
-          <p:cNvPr name="TextBox 13" id="13"/>
-          <p:cNvSpPr txBox="true"/>
+          <p:cNvPr id="14" name="TextBox 14"/>
+          <p:cNvSpPr txBox="1"/>
           <p:nvPr/>
         </p:nvSpPr>
         <p:spPr>
-          <a:xfrm rot="0">
-            <a:off x="2949308" y="4038812"/>
-            <a:ext cx="2239530" cy="428643"/>
+          <a:xfrm>
+            <a:off x="1676400" y="3213818"/>
+            <a:ext cx="13758005" cy="1253638"/>
           </a:xfrm>
           <a:prstGeom prst="rect">
             <a:avLst/>
           </a:prstGeom>
         </p:spPr>
         <p:txBody>
-          <a:bodyPr anchor="t" rtlCol="false" tIns="0" lIns="0" bIns="0" rIns="0">
+          <a:bodyPr wrap="square" lIns="0" tIns="0" rIns="0" bIns="0" rtlCol="0" anchor="t">
             <a:spAutoFit/>
           </a:bodyPr>
           <a:lstStyle/>
@@ -7698,35 +7367,32 @@
                 <a:spcPts val="3300"/>
               </a:lnSpc>
             </a:pPr>
-            <a:r>
-              <a:rPr lang="en-US" sz="2999">
-                <a:solidFill>
-                  <a:srgbClr val="191919"/>
-                </a:solidFill>
-                <a:latin typeface="Open Sans Bold"/>
-              </a:rPr>
-              <a:t>Ashwin</a:t>
-            </a:r>
-          </a:p>
-        </p:txBody>
-      </p:sp>
-      <p:sp>
-        <p:nvSpPr>
-          <p:cNvPr name="TextBox 14" id="14"/>
-          <p:cNvSpPr txBox="true"/>
+            <a:endParaRPr lang="en-US" sz="2999" dirty="0">
+              <a:solidFill>
+                <a:srgbClr val="191919"/>
+              </a:solidFill>
+              <a:latin typeface="Open Sans Bold"/>
+            </a:endParaRPr>
+          </a:p>
+        </p:txBody>
+      </p:sp>
+      <p:sp>
+        <p:nvSpPr>
+          <p:cNvPr id="15" name="TextBox 15"/>
+          <p:cNvSpPr txBox="1"/>
           <p:nvPr/>
         </p:nvSpPr>
         <p:spPr>
-          <a:xfrm rot="0">
-            <a:off x="12461321" y="4038812"/>
-            <a:ext cx="2973084" cy="428643"/>
+          <a:xfrm>
+            <a:off x="1371600" y="2686555"/>
+            <a:ext cx="15621000" cy="535916"/>
           </a:xfrm>
           <a:prstGeom prst="rect">
             <a:avLst/>
           </a:prstGeom>
         </p:spPr>
         <p:txBody>
-          <a:bodyPr anchor="t" rtlCol="false" tIns="0" lIns="0" bIns="0" rIns="0">
+          <a:bodyPr wrap="square" lIns="0" tIns="0" rIns="0" bIns="0" rtlCol="0" anchor="t">
             <a:spAutoFit/>
           </a:bodyPr>
           <a:lstStyle/>
@@ -7737,51 +7403,13 @@
               </a:lnSpc>
             </a:pPr>
             <a:r>
-              <a:rPr lang="en-US" sz="2999">
+              <a:rPr lang="en-US" sz="6600" dirty="0">
                 <a:solidFill>
-                  <a:srgbClr val="191919"/>
+                  <a:schemeClr val="tx2"/>
                 </a:solidFill>
                 <a:latin typeface="Open Sans Bold"/>
               </a:rPr>
-              <a:t>Nithya</a:t>
-            </a:r>
-          </a:p>
-        </p:txBody>
-      </p:sp>
-      <p:sp>
-        <p:nvSpPr>
-          <p:cNvPr name="TextBox 15" id="15"/>
-          <p:cNvSpPr txBox="true"/>
-          <p:nvPr/>
-        </p:nvSpPr>
-        <p:spPr>
-          <a:xfrm rot="0">
-            <a:off x="7569783" y="4038812"/>
-            <a:ext cx="2973084" cy="428643"/>
-          </a:xfrm>
-          <a:prstGeom prst="rect">
-            <a:avLst/>
-          </a:prstGeom>
-        </p:spPr>
-        <p:txBody>
-          <a:bodyPr anchor="t" rtlCol="false" tIns="0" lIns="0" bIns="0" rIns="0">
-            <a:spAutoFit/>
-          </a:bodyPr>
-          <a:lstStyle/>
-          <a:p>
-            <a:pPr algn="ctr">
-              <a:lnSpc>
-                <a:spcPts val="3300"/>
-              </a:lnSpc>
-            </a:pPr>
-            <a:r>
-              <a:rPr lang="en-US" sz="2999">
-                <a:solidFill>
-                  <a:srgbClr val="191919"/>
-                </a:solidFill>
-                <a:latin typeface="Open Sans Bold"/>
-              </a:rPr>
-              <a:t>Karthik</a:t>
+              <a:t>Team Decision Tree</a:t>
             </a:r>
           </a:p>
         </p:txBody>
